--- a/adv_new/Module 04 - Interop.pptx
+++ b/adv_new/Module 04 - Interop.pptx
@@ -497,7 +497,7 @@
           <a:p>
             <a:fld id="{81043921-7569-41A3-B947-8944ED878C50}" type="datetimeFigureOut">
               <a:rPr lang="he-IL" smtClean="0"/>
-              <a:t>ד'/תמוז/תשפ"ג</a:t>
+              <a:t>כ'/תמוז/תשפ"ג</a:t>
             </a:fld>
             <a:endParaRPr lang="he-IL"/>
           </a:p>
@@ -2913,7 +2913,7 @@
           <a:p>
             <a:fld id="{A9D9B7D1-305C-49A9-9D59-000E5D30F1FD}" type="datetimeFigureOut">
               <a:rPr lang="he-IL" smtClean="0"/>
-              <a:t>ד'/תמוז/תשפ"ג</a:t>
+              <a:t>כ'/תמוז/תשפ"ג</a:t>
             </a:fld>
             <a:endParaRPr lang="he-IL"/>
           </a:p>
@@ -3113,7 +3113,7 @@
           <a:p>
             <a:fld id="{A9D9B7D1-305C-49A9-9D59-000E5D30F1FD}" type="datetimeFigureOut">
               <a:rPr lang="he-IL" smtClean="0"/>
-              <a:t>ד'/תמוז/תשפ"ג</a:t>
+              <a:t>כ'/תמוז/תשפ"ג</a:t>
             </a:fld>
             <a:endParaRPr lang="he-IL"/>
           </a:p>
@@ -3323,7 +3323,7 @@
           <a:p>
             <a:fld id="{A9D9B7D1-305C-49A9-9D59-000E5D30F1FD}" type="datetimeFigureOut">
               <a:rPr lang="he-IL" smtClean="0"/>
-              <a:t>ד'/תמוז/תשפ"ג</a:t>
+              <a:t>כ'/תמוז/תשפ"ג</a:t>
             </a:fld>
             <a:endParaRPr lang="he-IL"/>
           </a:p>
@@ -5473,7 +5473,7 @@
           <a:p>
             <a:fld id="{A9D9B7D1-305C-49A9-9D59-000E5D30F1FD}" type="datetimeFigureOut">
               <a:rPr lang="he-IL" smtClean="0"/>
-              <a:t>ד'/תמוז/תשפ"ג</a:t>
+              <a:t>כ'/תמוז/תשפ"ג</a:t>
             </a:fld>
             <a:endParaRPr lang="he-IL"/>
           </a:p>
@@ -5749,7 +5749,7 @@
           <a:p>
             <a:fld id="{A9D9B7D1-305C-49A9-9D59-000E5D30F1FD}" type="datetimeFigureOut">
               <a:rPr lang="he-IL" smtClean="0"/>
-              <a:t>ד'/תמוז/תשפ"ג</a:t>
+              <a:t>כ'/תמוז/תשפ"ג</a:t>
             </a:fld>
             <a:endParaRPr lang="he-IL"/>
           </a:p>
@@ -6017,7 +6017,7 @@
           <a:p>
             <a:fld id="{A9D9B7D1-305C-49A9-9D59-000E5D30F1FD}" type="datetimeFigureOut">
               <a:rPr lang="he-IL" smtClean="0"/>
-              <a:t>ד'/תמוז/תשפ"ג</a:t>
+              <a:t>כ'/תמוז/תשפ"ג</a:t>
             </a:fld>
             <a:endParaRPr lang="he-IL"/>
           </a:p>
@@ -6432,7 +6432,7 @@
           <a:p>
             <a:fld id="{A9D9B7D1-305C-49A9-9D59-000E5D30F1FD}" type="datetimeFigureOut">
               <a:rPr lang="he-IL" smtClean="0"/>
-              <a:t>ד'/תמוז/תשפ"ג</a:t>
+              <a:t>כ'/תמוז/תשפ"ג</a:t>
             </a:fld>
             <a:endParaRPr lang="he-IL"/>
           </a:p>
@@ -6574,7 +6574,7 @@
           <a:p>
             <a:fld id="{A9D9B7D1-305C-49A9-9D59-000E5D30F1FD}" type="datetimeFigureOut">
               <a:rPr lang="he-IL" smtClean="0"/>
-              <a:t>ד'/תמוז/תשפ"ג</a:t>
+              <a:t>כ'/תמוז/תשפ"ג</a:t>
             </a:fld>
             <a:endParaRPr lang="he-IL"/>
           </a:p>
@@ -6687,7 +6687,7 @@
           <a:p>
             <a:fld id="{A9D9B7D1-305C-49A9-9D59-000E5D30F1FD}" type="datetimeFigureOut">
               <a:rPr lang="he-IL" smtClean="0"/>
-              <a:t>ד'/תמוז/תשפ"ג</a:t>
+              <a:t>כ'/תמוז/תשפ"ג</a:t>
             </a:fld>
             <a:endParaRPr lang="he-IL"/>
           </a:p>
@@ -7000,7 +7000,7 @@
           <a:p>
             <a:fld id="{A9D9B7D1-305C-49A9-9D59-000E5D30F1FD}" type="datetimeFigureOut">
               <a:rPr lang="he-IL" smtClean="0"/>
-              <a:t>ד'/תמוז/תשפ"ג</a:t>
+              <a:t>כ'/תמוז/תשפ"ג</a:t>
             </a:fld>
             <a:endParaRPr lang="he-IL"/>
           </a:p>
@@ -7289,7 +7289,7 @@
           <a:p>
             <a:fld id="{A9D9B7D1-305C-49A9-9D59-000E5D30F1FD}" type="datetimeFigureOut">
               <a:rPr lang="he-IL" smtClean="0"/>
-              <a:t>ד'/תמוז/תשפ"ג</a:t>
+              <a:t>כ'/תמוז/תשפ"ג</a:t>
             </a:fld>
             <a:endParaRPr lang="he-IL"/>
           </a:p>
@@ -7532,7 +7532,7 @@
           <a:p>
             <a:fld id="{A9D9B7D1-305C-49A9-9D59-000E5D30F1FD}" type="datetimeFigureOut">
               <a:rPr lang="he-IL" smtClean="0"/>
-              <a:t>ד'/תמוז/תשפ"ג</a:t>
+              <a:t>כ'/תמוז/תשפ"ג</a:t>
             </a:fld>
             <a:endParaRPr lang="he-IL"/>
           </a:p>

--- a/adv_new/Module 04 - Interop.pptx
+++ b/adv_new/Module 04 - Interop.pptx
@@ -8,7 +8,7 @@
     <p:notesMasterId r:id="rId19"/>
   </p:notesMasterIdLst>
   <p:sldIdLst>
-    <p:sldId id="321" r:id="rId2"/>
+    <p:sldId id="336" r:id="rId2"/>
     <p:sldId id="264" r:id="rId3"/>
     <p:sldId id="322" r:id="rId4"/>
     <p:sldId id="265" r:id="rId5"/>
@@ -766,11 +766,11 @@
 </file>
 
 <file path=ppt/notesSlides/notesSlide1.xml><?xml version="1.0" encoding="utf-8"?>
-<p:notes xmlns:a="http://schemas.openxmlformats.org/drawingml/2006/main" xmlns:r="http://schemas.openxmlformats.org/officeDocument/2006/relationships" xmlns:p="http://schemas.openxmlformats.org/presentationml/2006/main">
+<p:notes xmlns:a="http://schemas.openxmlformats.org/drawingml/2006/main" xmlns:r="http://schemas.openxmlformats.org/officeDocument/2006/relationships" xmlns:p="http://schemas.openxmlformats.org/presentationml/2006/main" showMasterSp="0" showMasterPhAnim="0">
   <p:cSld>
     <p:spTree>
       <p:nvGrpSpPr>
-        <p:cNvPr id="1" name=""/>
+        <p:cNvPr id="1" name="Shape 158"/>
         <p:cNvGrpSpPr/>
         <p:nvPr/>
       </p:nvGrpSpPr>
@@ -784,207 +784,84 @@
       </p:grpSpPr>
       <p:sp>
         <p:nvSpPr>
-          <p:cNvPr id="2" name="Slide Image Placeholder 1"/>
-          <p:cNvSpPr>
-            <a:spLocks noGrp="1" noRot="1" noChangeAspect="1"/>
-          </p:cNvSpPr>
-          <p:nvPr>
-            <p:ph type="sldImg"/>
-          </p:nvPr>
-        </p:nvSpPr>
-        <p:spPr/>
-      </p:sp>
-      <p:sp>
-        <p:nvSpPr>
-          <p:cNvPr id="3" name="Notes Placeholder 2"/>
-          <p:cNvSpPr>
+          <p:cNvPr id="159" name="Google Shape;159;p3:notes"/>
+          <p:cNvSpPr txBox="1">
             <a:spLocks noGrp="1"/>
           </p:cNvSpPr>
           <p:nvPr>
             <p:ph type="body" idx="1"/>
           </p:nvPr>
         </p:nvSpPr>
-        <p:spPr/>
+        <p:spPr>
+          <a:xfrm>
+            <a:off x="685800" y="4400550"/>
+            <a:ext cx="5486400" cy="3600450"/>
+          </a:xfrm>
+          <a:prstGeom prst="rect">
+            <a:avLst/>
+          </a:prstGeom>
+        </p:spPr>
         <p:txBody>
-          <a:bodyPr/>
+          <a:bodyPr spcFirstLastPara="1" wrap="square" lIns="91425" tIns="45700" rIns="91425" bIns="45700" anchor="t" anchorCtr="0">
+            <a:noAutofit/>
+          </a:bodyPr>
           <a:lstStyle/>
           <a:p>
-            <a:r>
-              <a:rPr lang="en-US" dirty="0"/>
-              <a:t>Python is dynamically-typed and garbage-collected. It supports multiple programming paradigms, including structured (particularly, procedural), object-oriented and functional programming.</a:t>
-            </a:r>
-          </a:p>
-          <a:p>
-            <a:endParaRPr lang="en-US" sz="1200" dirty="0">
-              <a:cs typeface="Calibri"/>
-            </a:endParaRPr>
-          </a:p>
-          <a:p>
-            <a:r>
-              <a:rPr lang="en-US" dirty="0">
-                <a:cs typeface="Calibri"/>
-              </a:rPr>
-              <a:t>It was built to be as readable as possible, and is </a:t>
-            </a:r>
-            <a:r>
-              <a:rPr lang="en-US" dirty="0"/>
-              <a:t>significant indentation driven (Off-side rule).</a:t>
-            </a:r>
-            <a:endParaRPr lang="en-US" dirty="0">
-              <a:cs typeface="Calibri"/>
-            </a:endParaRPr>
-          </a:p>
-          <a:p>
-            <a:pPr algn="l" rtl="0" eaLnBrk="1" hangingPunct="1"/>
-            <a:endParaRPr lang="en-US"/>
-          </a:p>
-          <a:p>
-            <a:r>
-              <a:rPr lang="en-US" dirty="0"/>
-              <a:t>The language's core philosophy is summarized in the document </a:t>
-            </a:r>
-            <a:r>
-              <a:rPr lang="en-US" i="1" dirty="0"/>
-              <a:t>The Zen of Python</a:t>
-            </a:r>
-            <a:r>
-              <a:rPr lang="en-US" dirty="0"/>
-              <a:t> (</a:t>
-            </a:r>
-            <a:r>
-              <a:rPr lang="en-US" i="1" dirty="0"/>
-              <a:t>PEP 20</a:t>
-            </a:r>
-            <a:r>
-              <a:rPr lang="en-US" dirty="0"/>
-              <a:t>), which includes aphorisms such as:</a:t>
-            </a:r>
-            <a:endParaRPr lang="en-US" dirty="0">
-              <a:cs typeface="Calibri"/>
-            </a:endParaRPr>
-          </a:p>
-          <a:p>
-            <a:pPr marL="285750" indent="-285750">
-              <a:buFont typeface="Arial"/>
-              <a:buChar char="•"/>
+            <a:pPr marL="0" lvl="0" indent="0" algn="l" rtl="0">
+              <a:spcBef>
+                <a:spcPts val="0"/>
+              </a:spcBef>
+              <a:spcAft>
+                <a:spcPts val="0"/>
+              </a:spcAft>
+              <a:buNone/>
             </a:pPr>
-            <a:r>
-              <a:rPr lang="en-US" dirty="0"/>
-              <a:t>Beautiful is better than ugly.</a:t>
-            </a:r>
-            <a:endParaRPr lang="en-US" dirty="0">
-              <a:cs typeface="Calibri"/>
-            </a:endParaRPr>
-          </a:p>
-          <a:p>
-            <a:pPr marL="285750" indent="-285750">
-              <a:buFont typeface="Arial"/>
-              <a:buChar char="•"/>
-            </a:pPr>
-            <a:r>
-              <a:rPr lang="en-US" dirty="0"/>
-              <a:t>Explicit is better than implicit.</a:t>
-            </a:r>
-            <a:endParaRPr lang="en-US" dirty="0">
-              <a:cs typeface="Calibri"/>
-            </a:endParaRPr>
-          </a:p>
-          <a:p>
-            <a:pPr marL="285750" indent="-285750">
-              <a:buFont typeface="Arial"/>
-              <a:buChar char="•"/>
-            </a:pPr>
-            <a:r>
-              <a:rPr lang="en-US" dirty="0"/>
-              <a:t>Simple is better than complex.</a:t>
-            </a:r>
-            <a:endParaRPr lang="en-US" dirty="0">
-              <a:cs typeface="Calibri"/>
-            </a:endParaRPr>
-          </a:p>
-          <a:p>
-            <a:pPr marL="285750" indent="-285750">
-              <a:buFont typeface="Arial"/>
-              <a:buChar char="•"/>
-            </a:pPr>
-            <a:r>
-              <a:rPr lang="en-US" dirty="0"/>
-              <a:t>Complex is better than complicated.</a:t>
-            </a:r>
-            <a:endParaRPr lang="en-US" dirty="0">
-              <a:cs typeface="Calibri"/>
-            </a:endParaRPr>
-          </a:p>
-          <a:p>
-            <a:pPr marL="285750" indent="-285750">
-              <a:buFont typeface="Arial"/>
-              <a:buChar char="•"/>
-            </a:pPr>
-            <a:r>
-              <a:rPr lang="en-US" dirty="0"/>
-              <a:t>Readability counts.</a:t>
-            </a:r>
-            <a:endParaRPr lang="en-US" dirty="0">
-              <a:cs typeface="Calibri"/>
-            </a:endParaRPr>
-          </a:p>
-          <a:p>
-            <a:pPr algn="l"/>
-            <a:endParaRPr lang="en-US" dirty="0">
-              <a:cs typeface="Calibri"/>
-            </a:endParaRPr>
-          </a:p>
-          <a:p>
-            <a:endParaRPr lang="en-US" u="sng"/>
-          </a:p>
-          <a:p>
-            <a:pPr algn="l" rtl="0" eaLnBrk="1" hangingPunct="1"/>
-            <a:r>
-              <a:rPr lang="en-US" u="sng" dirty="0"/>
-              <a:t>For further reading:</a:t>
-            </a:r>
-          </a:p>
-          <a:p>
-            <a:r>
-              <a:rPr lang="en-US" dirty="0">
-                <a:hlinkClick r:id="rId3"/>
-              </a:rPr>
-              <a:t>Python (programming language) - Wikipedia</a:t>
-            </a:r>
-            <a:endParaRPr lang="en-US"/>
+            <a:endParaRPr/>
           </a:p>
         </p:txBody>
       </p:sp>
       <p:sp>
         <p:nvSpPr>
-          <p:cNvPr id="4" name="Slide Number Placeholder 3"/>
+          <p:cNvPr id="160" name="Google Shape;160;p3:notes"/>
           <p:cNvSpPr>
-            <a:spLocks noGrp="1"/>
+            <a:spLocks noGrp="1" noRot="1" noChangeAspect="1"/>
           </p:cNvSpPr>
           <p:nvPr>
-            <p:ph type="sldNum" sz="quarter" idx="10"/>
+            <p:ph type="sldImg" idx="2"/>
           </p:nvPr>
         </p:nvSpPr>
-        <p:spPr/>
-        <p:txBody>
-          <a:bodyPr/>
-          <a:lstStyle/>
-          <a:p>
-            <a:fld id="{C18343ED-3762-4D46-A439-B4D407E13EF8}" type="slidenum">
-              <a:rPr lang="en-US" smtClean="0"/>
-              <a:pPr/>
-              <a:t>2</a:t>
-            </a:fld>
-            <a:endParaRPr lang="en-US"/>
-          </a:p>
-        </p:txBody>
+        <p:spPr>
+          <a:xfrm>
+            <a:off x="685800" y="1143000"/>
+            <a:ext cx="5486400" cy="3086100"/>
+          </a:xfrm>
+          <a:custGeom>
+            <a:avLst/>
+            <a:gdLst/>
+            <a:ahLst/>
+            <a:cxnLst/>
+            <a:rect l="l" t="t" r="r" b="b"/>
+            <a:pathLst>
+              <a:path w="120000" h="120000" extrusionOk="0">
+                <a:moveTo>
+                  <a:pt x="0" y="0"/>
+                </a:moveTo>
+                <a:lnTo>
+                  <a:pt x="120000" y="0"/>
+                </a:lnTo>
+                <a:lnTo>
+                  <a:pt x="120000" y="120000"/>
+                </a:lnTo>
+                <a:lnTo>
+                  <a:pt x="0" y="120000"/>
+                </a:lnTo>
+                <a:close/>
+              </a:path>
+            </a:pathLst>
+          </a:custGeom>
+        </p:spPr>
       </p:sp>
     </p:spTree>
-    <p:extLst>
-      <p:ext uri="{BB962C8B-B14F-4D97-AF65-F5344CB8AC3E}">
-        <p14:creationId xmlns:p14="http://schemas.microsoft.com/office/powerpoint/2010/main" val="3003253182"/>
-      </p:ext>
-    </p:extLst>
   </p:cSld>
   <p:clrMapOvr>
     <a:masterClrMapping/>
@@ -1036,7 +913,14 @@
           <a:bodyPr/>
           <a:lstStyle/>
           <a:p>
-            <a:endParaRPr lang="en-US"/>
+            <a:pPr algn="l" rtl="0" eaLnBrk="1" hangingPunct="1">
+              <a:lnSpc>
+                <a:spcPct val="80000"/>
+              </a:lnSpc>
+            </a:pPr>
+            <a:endParaRPr lang="en-US" dirty="0">
+              <a:cs typeface="Calibri"/>
+            </a:endParaRPr>
           </a:p>
         </p:txBody>
       </p:sp>
@@ -1058,6 +942,91 @@
             <a:fld id="{C18343ED-3762-4D46-A439-B4D407E13EF8}" type="slidenum">
               <a:rPr lang="en-US" smtClean="0"/>
               <a:pPr/>
+              <a:t>13</a:t>
+            </a:fld>
+            <a:endParaRPr lang="en-US"/>
+          </a:p>
+        </p:txBody>
+      </p:sp>
+    </p:spTree>
+    <p:extLst>
+      <p:ext uri="{BB962C8B-B14F-4D97-AF65-F5344CB8AC3E}">
+        <p14:creationId xmlns:p14="http://schemas.microsoft.com/office/powerpoint/2010/main" val="662288823"/>
+      </p:ext>
+    </p:extLst>
+  </p:cSld>
+  <p:clrMapOvr>
+    <a:masterClrMapping/>
+  </p:clrMapOvr>
+</p:notes>
+</file>
+
+<file path=ppt/notesSlides/notesSlide11.xml><?xml version="1.0" encoding="utf-8"?>
+<p:notes xmlns:a="http://schemas.openxmlformats.org/drawingml/2006/main" xmlns:r="http://schemas.openxmlformats.org/officeDocument/2006/relationships" xmlns:p="http://schemas.openxmlformats.org/presentationml/2006/main">
+  <p:cSld>
+    <p:spTree>
+      <p:nvGrpSpPr>
+        <p:cNvPr id="1" name=""/>
+        <p:cNvGrpSpPr/>
+        <p:nvPr/>
+      </p:nvGrpSpPr>
+      <p:grpSpPr>
+        <a:xfrm>
+          <a:off x="0" y="0"/>
+          <a:ext cx="0" cy="0"/>
+          <a:chOff x="0" y="0"/>
+          <a:chExt cx="0" cy="0"/>
+        </a:xfrm>
+      </p:grpSpPr>
+      <p:sp>
+        <p:nvSpPr>
+          <p:cNvPr id="2" name="Slide Image Placeholder 1"/>
+          <p:cNvSpPr>
+            <a:spLocks noGrp="1" noRot="1" noChangeAspect="1"/>
+          </p:cNvSpPr>
+          <p:nvPr>
+            <p:ph type="sldImg"/>
+          </p:nvPr>
+        </p:nvSpPr>
+        <p:spPr/>
+      </p:sp>
+      <p:sp>
+        <p:nvSpPr>
+          <p:cNvPr id="3" name="Notes Placeholder 2"/>
+          <p:cNvSpPr>
+            <a:spLocks noGrp="1"/>
+          </p:cNvSpPr>
+          <p:nvPr>
+            <p:ph type="body" idx="1"/>
+          </p:nvPr>
+        </p:nvSpPr>
+        <p:spPr/>
+        <p:txBody>
+          <a:bodyPr/>
+          <a:lstStyle/>
+          <a:p>
+            <a:endParaRPr lang="en-US"/>
+          </a:p>
+        </p:txBody>
+      </p:sp>
+      <p:sp>
+        <p:nvSpPr>
+          <p:cNvPr id="4" name="Slide Number Placeholder 3"/>
+          <p:cNvSpPr>
+            <a:spLocks noGrp="1"/>
+          </p:cNvSpPr>
+          <p:nvPr>
+            <p:ph type="sldNum" sz="quarter" idx="10"/>
+          </p:nvPr>
+        </p:nvSpPr>
+        <p:spPr/>
+        <p:txBody>
+          <a:bodyPr/>
+          <a:lstStyle/>
+          <a:p>
+            <a:fld id="{C18343ED-3762-4D46-A439-B4D407E13EF8}" type="slidenum">
+              <a:rPr lang="en-US" smtClean="0"/>
+              <a:pPr/>
               <a:t>14</a:t>
             </a:fld>
             <a:endParaRPr lang="en-US"/>
@@ -1077,7 +1046,7 @@
 </p:notes>
 </file>
 
-<file path=ppt/notesSlides/notesSlide11.xml><?xml version="1.0" encoding="utf-8"?>
+<file path=ppt/notesSlides/notesSlide12.xml><?xml version="1.0" encoding="utf-8"?>
 <p:notes xmlns:a="http://schemas.openxmlformats.org/drawingml/2006/main" xmlns:r="http://schemas.openxmlformats.org/officeDocument/2006/relationships" xmlns:p="http://schemas.openxmlformats.org/presentationml/2006/main">
   <p:cSld>
     <p:spTree>
@@ -1441,7 +1410,7 @@
             <a:fld id="{C18343ED-3762-4D46-A439-B4D407E13EF8}" type="slidenum">
               <a:rPr lang="en-US" smtClean="0"/>
               <a:pPr/>
-              <a:t>3</a:t>
+              <a:t>2</a:t>
             </a:fld>
             <a:endParaRPr lang="en-US"/>
           </a:p>
@@ -1450,7 +1419,7 @@
     </p:spTree>
     <p:extLst>
       <p:ext uri="{BB962C8B-B14F-4D97-AF65-F5344CB8AC3E}">
-        <p14:creationId xmlns:p14="http://schemas.microsoft.com/office/powerpoint/2010/main" val="2030585090"/>
+        <p14:creationId xmlns:p14="http://schemas.microsoft.com/office/powerpoint/2010/main" val="3003253182"/>
       </p:ext>
     </p:extLst>
   </p:cSld>
@@ -1505,123 +1474,148 @@
           <a:lstStyle/>
           <a:p>
             <a:r>
+              <a:rPr lang="en-US" dirty="0"/>
+              <a:t>Python is dynamically-typed and garbage-collected. It supports multiple programming paradigms, including structured (particularly, procedural), object-oriented and functional programming.</a:t>
+            </a:r>
+          </a:p>
+          <a:p>
+            <a:endParaRPr lang="en-US" sz="1200" dirty="0">
+              <a:cs typeface="Calibri"/>
+            </a:endParaRPr>
+          </a:p>
+          <a:p>
+            <a:r>
               <a:rPr lang="en-US" dirty="0">
-                <a:solidFill>
-                  <a:srgbClr val="000000"/>
-                </a:solidFill>
-                <a:latin typeface="Tahoma"/>
-                <a:ea typeface="Tahoma"/>
-                <a:cs typeface="Tahoma"/>
-              </a:rPr>
-              <a:t>PyCharm is currently one of the most used IDE for python development, It provides code analysis, a graphical debugger, an integrated unit tester, integration with version control systems (VCSes), and supports web development with Django as well as data science with Anaconda.</a:t>
-            </a:r>
-          </a:p>
-          <a:p>
+                <a:cs typeface="Calibri"/>
+              </a:rPr>
+              <a:t>It was built to be as readable as possible, and is </a:t>
+            </a:r>
+            <a:r>
+              <a:rPr lang="en-US" dirty="0"/>
+              <a:t>significant indentation driven (Off-side rule).</a:t>
+            </a:r>
             <a:endParaRPr lang="en-US" dirty="0">
-              <a:solidFill>
-                <a:srgbClr val="000000"/>
-              </a:solidFill>
-              <a:latin typeface="Tahoma"/>
-              <a:ea typeface="Tahoma"/>
-              <a:cs typeface="Tahoma"/>
+              <a:cs typeface="Calibri"/>
             </a:endParaRPr>
           </a:p>
           <a:p>
-            <a:r>
-              <a:rPr lang="en-US" dirty="0">
-                <a:solidFill>
-                  <a:srgbClr val="000000"/>
-                </a:solidFill>
-                <a:latin typeface="Tahoma"/>
-                <a:ea typeface="Tahoma"/>
-                <a:cs typeface="Tahoma"/>
-              </a:rPr>
-              <a:t>It was created by JetBrains</a:t>
-            </a:r>
-          </a:p>
-          <a:p>
+            <a:pPr algn="l" rtl="0" eaLnBrk="1" hangingPunct="1"/>
+            <a:endParaRPr lang="en-US"/>
+          </a:p>
+          <a:p>
+            <a:r>
+              <a:rPr lang="en-US" dirty="0"/>
+              <a:t>The language's core philosophy is summarized in the document </a:t>
+            </a:r>
+            <a:r>
+              <a:rPr lang="en-US" i="1" dirty="0"/>
+              <a:t>The Zen of Python</a:t>
+            </a:r>
+            <a:r>
+              <a:rPr lang="en-US" dirty="0"/>
+              <a:t> (</a:t>
+            </a:r>
+            <a:r>
+              <a:rPr lang="en-US" i="1" dirty="0"/>
+              <a:t>PEP 20</a:t>
+            </a:r>
+            <a:r>
+              <a:rPr lang="en-US" dirty="0"/>
+              <a:t>), which includes aphorisms such as:</a:t>
+            </a:r>
             <a:endParaRPr lang="en-US" dirty="0">
-              <a:solidFill>
-                <a:srgbClr val="000000"/>
-              </a:solidFill>
-              <a:latin typeface="Tahoma"/>
-              <a:ea typeface="Tahoma"/>
-              <a:cs typeface="Tahoma"/>
+              <a:cs typeface="Calibri"/>
             </a:endParaRPr>
           </a:p>
           <a:p>
-            <a:r>
-              <a:rPr lang="en-US" dirty="0">
-                <a:solidFill>
-                  <a:srgbClr val="000000"/>
-                </a:solidFill>
-                <a:latin typeface="Tahoma"/>
-                <a:ea typeface="Tahoma"/>
-                <a:cs typeface="Tahoma"/>
-              </a:rPr>
-              <a:t>It is mostly popular because of many things, such as:</a:t>
-            </a:r>
-          </a:p>
-          <a:p>
-            <a:pPr marL="171450" indent="-171450">
+            <a:pPr marL="285750" indent="-285750">
               <a:buFont typeface="Arial"/>
               <a:buChar char="•"/>
             </a:pPr>
             <a:r>
-              <a:rPr lang="en-US" dirty="0">
-                <a:solidFill>
-                  <a:srgbClr val="000000"/>
-                </a:solidFill>
-                <a:latin typeface="Tahoma"/>
-                <a:ea typeface="Tahoma"/>
-                <a:cs typeface="Tahoma"/>
-              </a:rPr>
-              <a:t>It is considered as an intelligent code editor, fast and safe refactoring, and smart code.</a:t>
-            </a:r>
-          </a:p>
-          <a:p>
-            <a:pPr marL="171450" indent="-171450">
+              <a:rPr lang="en-US" dirty="0"/>
+              <a:t>Beautiful is better than ugly.</a:t>
+            </a:r>
+            <a:endParaRPr lang="en-US" dirty="0">
+              <a:cs typeface="Calibri"/>
+            </a:endParaRPr>
+          </a:p>
+          <a:p>
+            <a:pPr marL="285750" indent="-285750">
               <a:buFont typeface="Arial"/>
               <a:buChar char="•"/>
             </a:pPr>
             <a:r>
-              <a:rPr lang="en-US" dirty="0">
-                <a:solidFill>
-                  <a:srgbClr val="000000"/>
-                </a:solidFill>
-                <a:latin typeface="Tahoma"/>
-                <a:ea typeface="Tahoma"/>
-                <a:cs typeface="Tahoma"/>
-              </a:rPr>
-              <a:t>Features for debugging, profiling, remote development, testing the code, auto code completion, quick fixing, error detection and tools of the database.</a:t>
-            </a:r>
-          </a:p>
-          <a:p>
-            <a:pPr marL="171450" indent="-171450">
+              <a:rPr lang="en-US" dirty="0"/>
+              <a:t>Explicit is better than implicit.</a:t>
+            </a:r>
+            <a:endParaRPr lang="en-US" dirty="0">
+              <a:cs typeface="Calibri"/>
+            </a:endParaRPr>
+          </a:p>
+          <a:p>
+            <a:pPr marL="285750" indent="-285750">
               <a:buFont typeface="Arial"/>
               <a:buChar char="•"/>
             </a:pPr>
             <a:r>
+              <a:rPr lang="en-US" dirty="0"/>
+              <a:t>Simple is better than complex.</a:t>
+            </a:r>
+            <a:endParaRPr lang="en-US" dirty="0">
+              <a:cs typeface="Calibri"/>
+            </a:endParaRPr>
+          </a:p>
+          <a:p>
+            <a:pPr marL="285750" indent="-285750">
+              <a:buFont typeface="Arial"/>
+              <a:buChar char="•"/>
+            </a:pPr>
+            <a:r>
+              <a:rPr lang="en-US" dirty="0"/>
+              <a:t>Complex is better than complicated.</a:t>
+            </a:r>
+            <a:endParaRPr lang="en-US" dirty="0">
+              <a:cs typeface="Calibri"/>
+            </a:endParaRPr>
+          </a:p>
+          <a:p>
+            <a:pPr marL="285750" indent="-285750">
+              <a:buFont typeface="Arial"/>
+              <a:buChar char="•"/>
+            </a:pPr>
+            <a:r>
+              <a:rPr lang="en-US" dirty="0"/>
+              <a:t>Readability counts.</a:t>
+            </a:r>
+            <a:endParaRPr lang="en-US" dirty="0">
+              <a:cs typeface="Calibri"/>
+            </a:endParaRPr>
+          </a:p>
+          <a:p>
+            <a:pPr algn="l"/>
+            <a:endParaRPr lang="en-US" dirty="0">
+              <a:cs typeface="Calibri"/>
+            </a:endParaRPr>
+          </a:p>
+          <a:p>
+            <a:endParaRPr lang="en-US" u="sng"/>
+          </a:p>
+          <a:p>
+            <a:pPr algn="l" rtl="0" eaLnBrk="1" hangingPunct="1"/>
+            <a:r>
+              <a:rPr lang="en-US" u="sng" dirty="0"/>
+              <a:t>For further reading:</a:t>
+            </a:r>
+          </a:p>
+          <a:p>
+            <a:r>
               <a:rPr lang="en-US" dirty="0">
-                <a:solidFill>
-                  <a:srgbClr val="000000"/>
-                </a:solidFill>
-                <a:latin typeface="Tahoma"/>
-                <a:ea typeface="Tahoma"/>
-                <a:cs typeface="Tahoma"/>
-              </a:rPr>
-              <a:t>Support for Popular web technologies, web frameworks, scientific libraries and version control. </a:t>
-            </a:r>
-          </a:p>
-          <a:p>
-            <a:endParaRPr lang="en-US" dirty="0">
-              <a:solidFill>
-                <a:srgbClr val="000000"/>
-              </a:solidFill>
-              <a:latin typeface="Tahoma"/>
-              <a:ea typeface="Tahoma"/>
-              <a:cs typeface="Tahoma"/>
-            </a:endParaRPr>
+                <a:hlinkClick r:id="rId3"/>
+              </a:rPr>
+              <a:t>Python (programming language) - Wikipedia</a:t>
+            </a:r>
+            <a:endParaRPr lang="en-US"/>
           </a:p>
         </p:txBody>
       </p:sp>
@@ -1643,7 +1637,7 @@
             <a:fld id="{C18343ED-3762-4D46-A439-B4D407E13EF8}" type="slidenum">
               <a:rPr lang="en-US" smtClean="0"/>
               <a:pPr/>
-              <a:t>6</a:t>
+              <a:t>3</a:t>
             </a:fld>
             <a:endParaRPr lang="en-US"/>
           </a:p>
@@ -1652,7 +1646,7 @@
     </p:spTree>
     <p:extLst>
       <p:ext uri="{BB962C8B-B14F-4D97-AF65-F5344CB8AC3E}">
-        <p14:creationId xmlns:p14="http://schemas.microsoft.com/office/powerpoint/2010/main" val="3013686146"/>
+        <p14:creationId xmlns:p14="http://schemas.microsoft.com/office/powerpoint/2010/main" val="2030585090"/>
       </p:ext>
     </p:extLst>
   </p:cSld>
@@ -1845,7 +1839,7 @@
             <a:fld id="{C18343ED-3762-4D46-A439-B4D407E13EF8}" type="slidenum">
               <a:rPr lang="en-US" smtClean="0"/>
               <a:pPr/>
-              <a:t>7</a:t>
+              <a:t>6</a:t>
             </a:fld>
             <a:endParaRPr lang="en-US"/>
           </a:p>
@@ -1854,7 +1848,7 @@
     </p:spTree>
     <p:extLst>
       <p:ext uri="{BB962C8B-B14F-4D97-AF65-F5344CB8AC3E}">
-        <p14:creationId xmlns:p14="http://schemas.microsoft.com/office/powerpoint/2010/main" val="4088648762"/>
+        <p14:creationId xmlns:p14="http://schemas.microsoft.com/office/powerpoint/2010/main" val="3013686146"/>
       </p:ext>
     </p:extLst>
   </p:cSld>
@@ -2047,7 +2041,7 @@
             <a:fld id="{C18343ED-3762-4D46-A439-B4D407E13EF8}" type="slidenum">
               <a:rPr lang="en-US" smtClean="0"/>
               <a:pPr/>
-              <a:t>8</a:t>
+              <a:t>7</a:t>
             </a:fld>
             <a:endParaRPr lang="en-US"/>
           </a:p>
@@ -2056,7 +2050,7 @@
     </p:spTree>
     <p:extLst>
       <p:ext uri="{BB962C8B-B14F-4D97-AF65-F5344CB8AC3E}">
-        <p14:creationId xmlns:p14="http://schemas.microsoft.com/office/powerpoint/2010/main" val="1157867576"/>
+        <p14:creationId xmlns:p14="http://schemas.microsoft.com/office/powerpoint/2010/main" val="4088648762"/>
       </p:ext>
     </p:extLst>
   </p:cSld>
@@ -2249,7 +2243,7 @@
             <a:fld id="{C18343ED-3762-4D46-A439-B4D407E13EF8}" type="slidenum">
               <a:rPr lang="en-US" smtClean="0"/>
               <a:pPr/>
-              <a:t>9</a:t>
+              <a:t>8</a:t>
             </a:fld>
             <a:endParaRPr lang="en-US"/>
           </a:p>
@@ -2258,7 +2252,7 @@
     </p:spTree>
     <p:extLst>
       <p:ext uri="{BB962C8B-B14F-4D97-AF65-F5344CB8AC3E}">
-        <p14:creationId xmlns:p14="http://schemas.microsoft.com/office/powerpoint/2010/main" val="849729191"/>
+        <p14:creationId xmlns:p14="http://schemas.microsoft.com/office/powerpoint/2010/main" val="1157867576"/>
       </p:ext>
     </p:extLst>
   </p:cSld>
@@ -2451,7 +2445,7 @@
             <a:fld id="{C18343ED-3762-4D46-A439-B4D407E13EF8}" type="slidenum">
               <a:rPr lang="en-US" smtClean="0"/>
               <a:pPr/>
-              <a:t>11</a:t>
+              <a:t>9</a:t>
             </a:fld>
             <a:endParaRPr lang="en-US"/>
           </a:p>
@@ -2460,7 +2454,7 @@
     </p:spTree>
     <p:extLst>
       <p:ext uri="{BB962C8B-B14F-4D97-AF65-F5344CB8AC3E}">
-        <p14:creationId xmlns:p14="http://schemas.microsoft.com/office/powerpoint/2010/main" val="2779813135"/>
+        <p14:creationId xmlns:p14="http://schemas.microsoft.com/office/powerpoint/2010/main" val="849729191"/>
       </p:ext>
     </p:extLst>
   </p:cSld>
@@ -2653,7 +2647,7 @@
             <a:fld id="{C18343ED-3762-4D46-A439-B4D407E13EF8}" type="slidenum">
               <a:rPr lang="en-US" smtClean="0"/>
               <a:pPr/>
-              <a:t>12</a:t>
+              <a:t>11</a:t>
             </a:fld>
             <a:endParaRPr lang="en-US"/>
           </a:p>
@@ -2662,7 +2656,7 @@
     </p:spTree>
     <p:extLst>
       <p:ext uri="{BB962C8B-B14F-4D97-AF65-F5344CB8AC3E}">
-        <p14:creationId xmlns:p14="http://schemas.microsoft.com/office/powerpoint/2010/main" val="925471829"/>
+        <p14:creationId xmlns:p14="http://schemas.microsoft.com/office/powerpoint/2010/main" val="2779813135"/>
       </p:ext>
     </p:extLst>
   </p:cSld>
@@ -2716,13 +2710,123 @@
           <a:bodyPr/>
           <a:lstStyle/>
           <a:p>
-            <a:pPr algn="l" rtl="0" eaLnBrk="1" hangingPunct="1">
-              <a:lnSpc>
-                <a:spcPct val="80000"/>
-              </a:lnSpc>
+            <a:r>
+              <a:rPr lang="en-US" dirty="0">
+                <a:solidFill>
+                  <a:srgbClr val="000000"/>
+                </a:solidFill>
+                <a:latin typeface="Tahoma"/>
+                <a:ea typeface="Tahoma"/>
+                <a:cs typeface="Tahoma"/>
+              </a:rPr>
+              <a:t>PyCharm is currently one of the most used IDE for python development, It provides code analysis, a graphical debugger, an integrated unit tester, integration with version control systems (VCSes), and supports web development with Django as well as data science with Anaconda.</a:t>
+            </a:r>
+          </a:p>
+          <a:p>
+            <a:endParaRPr lang="en-US" dirty="0">
+              <a:solidFill>
+                <a:srgbClr val="000000"/>
+              </a:solidFill>
+              <a:latin typeface="Tahoma"/>
+              <a:ea typeface="Tahoma"/>
+              <a:cs typeface="Tahoma"/>
+            </a:endParaRPr>
+          </a:p>
+          <a:p>
+            <a:r>
+              <a:rPr lang="en-US" dirty="0">
+                <a:solidFill>
+                  <a:srgbClr val="000000"/>
+                </a:solidFill>
+                <a:latin typeface="Tahoma"/>
+                <a:ea typeface="Tahoma"/>
+                <a:cs typeface="Tahoma"/>
+              </a:rPr>
+              <a:t>It was created by JetBrains</a:t>
+            </a:r>
+          </a:p>
+          <a:p>
+            <a:endParaRPr lang="en-US" dirty="0">
+              <a:solidFill>
+                <a:srgbClr val="000000"/>
+              </a:solidFill>
+              <a:latin typeface="Tahoma"/>
+              <a:ea typeface="Tahoma"/>
+              <a:cs typeface="Tahoma"/>
+            </a:endParaRPr>
+          </a:p>
+          <a:p>
+            <a:r>
+              <a:rPr lang="en-US" dirty="0">
+                <a:solidFill>
+                  <a:srgbClr val="000000"/>
+                </a:solidFill>
+                <a:latin typeface="Tahoma"/>
+                <a:ea typeface="Tahoma"/>
+                <a:cs typeface="Tahoma"/>
+              </a:rPr>
+              <a:t>It is mostly popular because of many things, such as:</a:t>
+            </a:r>
+          </a:p>
+          <a:p>
+            <a:pPr marL="171450" indent="-171450">
+              <a:buFont typeface="Arial"/>
+              <a:buChar char="•"/>
             </a:pPr>
+            <a:r>
+              <a:rPr lang="en-US" dirty="0">
+                <a:solidFill>
+                  <a:srgbClr val="000000"/>
+                </a:solidFill>
+                <a:latin typeface="Tahoma"/>
+                <a:ea typeface="Tahoma"/>
+                <a:cs typeface="Tahoma"/>
+              </a:rPr>
+              <a:t>It is considered as an intelligent code editor, fast and safe refactoring, and smart code.</a:t>
+            </a:r>
+          </a:p>
+          <a:p>
+            <a:pPr marL="171450" indent="-171450">
+              <a:buFont typeface="Arial"/>
+              <a:buChar char="•"/>
+            </a:pPr>
+            <a:r>
+              <a:rPr lang="en-US" dirty="0">
+                <a:solidFill>
+                  <a:srgbClr val="000000"/>
+                </a:solidFill>
+                <a:latin typeface="Tahoma"/>
+                <a:ea typeface="Tahoma"/>
+                <a:cs typeface="Tahoma"/>
+              </a:rPr>
+              <a:t>Features for debugging, profiling, remote development, testing the code, auto code completion, quick fixing, error detection and tools of the database.</a:t>
+            </a:r>
+          </a:p>
+          <a:p>
+            <a:pPr marL="171450" indent="-171450">
+              <a:buFont typeface="Arial"/>
+              <a:buChar char="•"/>
+            </a:pPr>
+            <a:r>
+              <a:rPr lang="en-US" dirty="0">
+                <a:solidFill>
+                  <a:srgbClr val="000000"/>
+                </a:solidFill>
+                <a:latin typeface="Tahoma"/>
+                <a:ea typeface="Tahoma"/>
+                <a:cs typeface="Tahoma"/>
+              </a:rPr>
+              <a:t>Support for Popular web technologies, web frameworks, scientific libraries and version control. </a:t>
+            </a:r>
+          </a:p>
+          <a:p>
             <a:endParaRPr lang="en-US" dirty="0">
-              <a:cs typeface="Calibri"/>
+              <a:solidFill>
+                <a:srgbClr val="000000"/>
+              </a:solidFill>
+              <a:latin typeface="Tahoma"/>
+              <a:ea typeface="Tahoma"/>
+              <a:cs typeface="Tahoma"/>
             </a:endParaRPr>
           </a:p>
         </p:txBody>
@@ -2745,7 +2849,7 @@
             <a:fld id="{C18343ED-3762-4D46-A439-B4D407E13EF8}" type="slidenum">
               <a:rPr lang="en-US" smtClean="0"/>
               <a:pPr/>
-              <a:t>13</a:t>
+              <a:t>12</a:t>
             </a:fld>
             <a:endParaRPr lang="en-US"/>
           </a:p>
@@ -2754,7 +2858,7 @@
     </p:spTree>
     <p:extLst>
       <p:ext uri="{BB962C8B-B14F-4D97-AF65-F5344CB8AC3E}">
-        <p14:creationId xmlns:p14="http://schemas.microsoft.com/office/powerpoint/2010/main" val="662288823"/>
+        <p14:creationId xmlns:p14="http://schemas.microsoft.com/office/powerpoint/2010/main" val="925471829"/>
       </p:ext>
     </p:extLst>
   </p:cSld>
@@ -3397,298 +3501,6 @@
 </file>
 
 <file path=ppt/slideLayouts/slideLayout12.xml><?xml version="1.0" encoding="utf-8"?>
-<p:sldLayout xmlns:a="http://schemas.openxmlformats.org/drawingml/2006/main" xmlns:r="http://schemas.openxmlformats.org/officeDocument/2006/relationships" xmlns:p="http://schemas.openxmlformats.org/presentationml/2006/main" userDrawn="1">
-  <p:cSld name="1_Title Slide">
-    <p:spTree>
-      <p:nvGrpSpPr>
-        <p:cNvPr id="1" name=""/>
-        <p:cNvGrpSpPr/>
-        <p:nvPr/>
-      </p:nvGrpSpPr>
-      <p:grpSpPr>
-        <a:xfrm>
-          <a:off x="0" y="0"/>
-          <a:ext cx="0" cy="0"/>
-          <a:chOff x="0" y="0"/>
-          <a:chExt cx="0" cy="0"/>
-        </a:xfrm>
-      </p:grpSpPr>
-      <p:sp>
-        <p:nvSpPr>
-          <p:cNvPr id="2" name="Title 1"/>
-          <p:cNvSpPr>
-            <a:spLocks noGrp="1"/>
-          </p:cNvSpPr>
-          <p:nvPr>
-            <p:ph type="ctrTitle"/>
-          </p:nvPr>
-        </p:nvSpPr>
-        <p:spPr>
-          <a:xfrm>
-            <a:off x="774049" y="1340768"/>
-            <a:ext cx="9850763" cy="1085850"/>
-          </a:xfrm>
-        </p:spPr>
-        <p:txBody>
-          <a:bodyPr vert="horz" lIns="0" tIns="45720" rIns="91440" bIns="45720" rtlCol="0" anchor="t" anchorCtr="0">
-            <a:normAutofit/>
-          </a:bodyPr>
-          <a:lstStyle>
-            <a:lvl1pPr>
-              <a:defRPr lang="en-US" sz="3200" dirty="0">
-                <a:ln w="3175">
-                  <a:noFill/>
-                </a:ln>
-              </a:defRPr>
-            </a:lvl1pPr>
-          </a:lstStyle>
-          <a:p>
-            <a:pPr lvl="0"/>
-            <a:r>
-              <a:rPr lang="en-US"/>
-              <a:t>Click to edit Master title style</a:t>
-            </a:r>
-          </a:p>
-        </p:txBody>
-      </p:sp>
-      <p:sp>
-        <p:nvSpPr>
-          <p:cNvPr id="11" name="TextBox 10"/>
-          <p:cNvSpPr txBox="1"/>
-          <p:nvPr userDrawn="1"/>
-        </p:nvSpPr>
-        <p:spPr>
-          <a:xfrm>
-            <a:off x="774050" y="6362070"/>
-            <a:ext cx="10506527" cy="261610"/>
-          </a:xfrm>
-          <a:prstGeom prst="rect">
-            <a:avLst/>
-          </a:prstGeom>
-          <a:noFill/>
-        </p:spPr>
-        <p:txBody>
-          <a:bodyPr wrap="square" lIns="0" rtlCol="0">
-            <a:spAutoFit/>
-          </a:bodyPr>
-          <a:lstStyle/>
-          <a:p>
-            <a:pPr algn="l"/>
-            <a:r>
-              <a:rPr lang="en-US" sz="1100" kern="1200">
-                <a:solidFill>
-                  <a:schemeClr val="tx1">
-                    <a:lumMod val="85000"/>
-                    <a:lumOff val="15000"/>
-                  </a:schemeClr>
-                </a:solidFill>
-                <a:latin typeface="Segoe" panose="020B0502040504020203" pitchFamily="34" charset="0"/>
-                <a:ea typeface="+mn-ea"/>
-                <a:cs typeface="+mn-cs"/>
-              </a:rPr>
-              <a:t>Copyright © SELA Software &amp; Education Labs, Ltd. | 14-18 Baruch Hirsch St., </a:t>
-            </a:r>
-            <a:r>
-              <a:rPr lang="en-US" sz="1100" kern="1200" err="1">
-                <a:solidFill>
-                  <a:schemeClr val="tx1">
-                    <a:lumMod val="85000"/>
-                    <a:lumOff val="15000"/>
-                  </a:schemeClr>
-                </a:solidFill>
-                <a:latin typeface="Segoe" panose="020B0502040504020203" pitchFamily="34" charset="0"/>
-                <a:ea typeface="+mn-ea"/>
-                <a:cs typeface="+mn-cs"/>
-              </a:rPr>
-              <a:t>Bnei</a:t>
-            </a:r>
-            <a:r>
-              <a:rPr lang="en-US" sz="1100" kern="1200">
-                <a:solidFill>
-                  <a:schemeClr val="tx1">
-                    <a:lumMod val="85000"/>
-                    <a:lumOff val="15000"/>
-                  </a:schemeClr>
-                </a:solidFill>
-                <a:latin typeface="Segoe" panose="020B0502040504020203" pitchFamily="34" charset="0"/>
-                <a:ea typeface="+mn-ea"/>
-                <a:cs typeface="+mn-cs"/>
-              </a:rPr>
-              <a:t> </a:t>
-            </a:r>
-            <a:r>
-              <a:rPr lang="en-US" sz="1100" kern="1200" err="1">
-                <a:solidFill>
-                  <a:schemeClr val="tx1">
-                    <a:lumMod val="85000"/>
-                    <a:lumOff val="15000"/>
-                  </a:schemeClr>
-                </a:solidFill>
-                <a:latin typeface="Segoe" panose="020B0502040504020203" pitchFamily="34" charset="0"/>
-                <a:ea typeface="+mn-ea"/>
-                <a:cs typeface="+mn-cs"/>
-              </a:rPr>
-              <a:t>Brak</a:t>
-            </a:r>
-            <a:r>
-              <a:rPr lang="en-US" sz="1100" kern="1200">
-                <a:solidFill>
-                  <a:schemeClr val="tx1">
-                    <a:lumMod val="85000"/>
-                    <a:lumOff val="15000"/>
-                  </a:schemeClr>
-                </a:solidFill>
-                <a:latin typeface="Segoe" panose="020B0502040504020203" pitchFamily="34" charset="0"/>
-                <a:ea typeface="+mn-ea"/>
-                <a:cs typeface="+mn-cs"/>
-              </a:rPr>
-              <a:t> 51202, Israel | www.selagroup.com</a:t>
-            </a:r>
-            <a:endParaRPr lang="en-US" sz="800">
-              <a:solidFill>
-                <a:schemeClr val="tx1">
-                  <a:lumMod val="85000"/>
-                  <a:lumOff val="15000"/>
-                </a:schemeClr>
-              </a:solidFill>
-              <a:latin typeface="Segoe" panose="020B0502040504020203" pitchFamily="34" charset="0"/>
-            </a:endParaRPr>
-          </a:p>
-        </p:txBody>
-      </p:sp>
-      <p:pic>
-        <p:nvPicPr>
-          <p:cNvPr id="13" name="Picture 12"/>
-          <p:cNvPicPr>
-            <a:picLocks noChangeAspect="1"/>
-          </p:cNvPicPr>
-          <p:nvPr userDrawn="1"/>
-        </p:nvPicPr>
-        <p:blipFill>
-          <a:blip r:embed="rId2" cstate="print">
-            <a:extLst>
-              <a:ext uri="{28A0092B-C50C-407E-A947-70E740481C1C}">
-                <a14:useLocalDpi xmlns:a14="http://schemas.microsoft.com/office/drawing/2010/main" val="0"/>
-              </a:ext>
-            </a:extLst>
-          </a:blip>
-          <a:stretch>
-            <a:fillRect/>
-          </a:stretch>
-        </p:blipFill>
-        <p:spPr>
-          <a:xfrm>
-            <a:off x="774050" y="534798"/>
-            <a:ext cx="3509932" cy="483907"/>
-          </a:xfrm>
-          <a:prstGeom prst="rect">
-            <a:avLst/>
-          </a:prstGeom>
-        </p:spPr>
-      </p:pic>
-      <p:sp>
-        <p:nvSpPr>
-          <p:cNvPr id="7" name="Text Placeholder 6"/>
-          <p:cNvSpPr>
-            <a:spLocks noGrp="1"/>
-          </p:cNvSpPr>
-          <p:nvPr>
-            <p:ph type="body" sz="quarter" idx="10"/>
-          </p:nvPr>
-        </p:nvSpPr>
-        <p:spPr>
-          <a:xfrm>
-            <a:off x="774701" y="2427289"/>
-            <a:ext cx="9850967" cy="1362075"/>
-          </a:xfrm>
-          <a:prstGeom prst="rect">
-            <a:avLst/>
-          </a:prstGeom>
-        </p:spPr>
-        <p:txBody>
-          <a:bodyPr/>
-          <a:lstStyle>
-            <a:lvl1pPr marL="0" marR="0" indent="0" algn="l" defTabSz="914400" rtl="0" eaLnBrk="1" fontAlgn="auto" latinLnBrk="0" hangingPunct="1">
-              <a:lnSpc>
-                <a:spcPct val="100000"/>
-              </a:lnSpc>
-              <a:spcBef>
-                <a:spcPct val="20000"/>
-              </a:spcBef>
-              <a:spcAft>
-                <a:spcPts val="0"/>
-              </a:spcAft>
-              <a:buClrTx/>
-              <a:buSzTx/>
-              <a:buFontTx/>
-              <a:buNone/>
-              <a:tabLst/>
-              <a:defRPr>
-                <a:solidFill>
-                  <a:srgbClr val="E89636"/>
-                </a:solidFill>
-              </a:defRPr>
-            </a:lvl1pPr>
-            <a:lvl2pPr marL="457200" indent="0" algn="l" rtl="0">
-              <a:buFontTx/>
-              <a:buNone/>
-              <a:defRPr/>
-            </a:lvl2pPr>
-            <a:lvl3pPr marL="914400" indent="0" algn="l" rtl="0">
-              <a:buFontTx/>
-              <a:buNone/>
-              <a:defRPr/>
-            </a:lvl3pPr>
-            <a:lvl4pPr marL="1371600" indent="0" algn="l" rtl="0">
-              <a:buFontTx/>
-              <a:buNone/>
-              <a:defRPr/>
-            </a:lvl4pPr>
-            <a:lvl5pPr marL="1828800" indent="0" algn="l" rtl="0">
-              <a:buFontTx/>
-              <a:buNone/>
-              <a:defRPr/>
-            </a:lvl5pPr>
-          </a:lstStyle>
-          <a:p>
-            <a:pPr lvl="0"/>
-            <a:r>
-              <a:rPr lang="en-US"/>
-              <a:t>Click to edit Master text styles</a:t>
-            </a:r>
-          </a:p>
-        </p:txBody>
-      </p:sp>
-    </p:spTree>
-    <p:extLst>
-      <p:ext uri="{BB962C8B-B14F-4D97-AF65-F5344CB8AC3E}">
-        <p14:creationId xmlns:p14="http://schemas.microsoft.com/office/powerpoint/2010/main" val="2797336940"/>
-      </p:ext>
-    </p:extLst>
-  </p:cSld>
-  <p:clrMapOvr>
-    <a:masterClrMapping/>
-  </p:clrMapOvr>
-  <p:extLst>
-    <p:ext uri="{DCECCB84-F9BA-43D5-87BE-67443E8EF086}">
-      <p15:sldGuideLst xmlns:p15="http://schemas.microsoft.com/office/powerpoint/2012/main">
-        <p15:guide id="1" orient="horz" pos="789">
-          <p15:clr>
-            <a:srgbClr val="FBAE40"/>
-          </p15:clr>
-        </p15:guide>
-        <p15:guide id="2" pos="612">
-          <p15:clr>
-            <a:srgbClr val="FBAE40"/>
-          </p15:clr>
-        </p15:guide>
-      </p15:sldGuideLst>
-    </p:ext>
-  </p:extLst>
-</p:sldLayout>
-</file>
-
-<file path=ppt/slideLayouts/slideLayout13.xml><?xml version="1.0" encoding="utf-8"?>
 <p:sldLayout xmlns:a="http://schemas.openxmlformats.org/drawingml/2006/main" xmlns:r="http://schemas.openxmlformats.org/officeDocument/2006/relationships" xmlns:p="http://schemas.openxmlformats.org/presentationml/2006/main" userDrawn="1">
   <p:cSld name="Empty Page">
     <p:spTree>
@@ -3831,7 +3643,7 @@
 </p:sldLayout>
 </file>
 
-<file path=ppt/slideLayouts/slideLayout14.xml><?xml version="1.0" encoding="utf-8"?>
+<file path=ppt/slideLayouts/slideLayout13.xml><?xml version="1.0" encoding="utf-8"?>
 <p:sldLayout xmlns:a="http://schemas.openxmlformats.org/drawingml/2006/main" xmlns:r="http://schemas.openxmlformats.org/officeDocument/2006/relationships" xmlns:p="http://schemas.openxmlformats.org/presentationml/2006/main" userDrawn="1">
   <p:cSld name="Demo Page">
     <p:spTree>
@@ -4348,7 +4160,7 @@
 </p:sldLayout>
 </file>
 
-<file path=ppt/slideLayouts/slideLayout15.xml><?xml version="1.0" encoding="utf-8"?>
+<file path=ppt/slideLayouts/slideLayout14.xml><?xml version="1.0" encoding="utf-8"?>
 <p:sldLayout xmlns:a="http://schemas.openxmlformats.org/drawingml/2006/main" xmlns:r="http://schemas.openxmlformats.org/officeDocument/2006/relationships" xmlns:p="http://schemas.openxmlformats.org/presentationml/2006/main" userDrawn="1">
   <p:cSld name="Lab">
     <p:spTree>
@@ -4865,7 +4677,7 @@
 </p:sldLayout>
 </file>
 
-<file path=ppt/slideLayouts/slideLayout16.xml><?xml version="1.0" encoding="utf-8"?>
+<file path=ppt/slideLayouts/slideLayout15.xml><?xml version="1.0" encoding="utf-8"?>
 <p:sldLayout xmlns:a="http://schemas.openxmlformats.org/drawingml/2006/main" xmlns:r="http://schemas.openxmlformats.org/officeDocument/2006/relationships" xmlns:p="http://schemas.openxmlformats.org/presentationml/2006/main" userDrawn="1">
   <p:cSld name="Questions">
     <p:spTree>
@@ -5346,6 +5158,63 @@
 </p:sldLayout>
 </file>
 
+<file path=ppt/slideLayouts/slideLayout16.xml><?xml version="1.0" encoding="utf-8"?>
+<p:sldLayout xmlns:a="http://schemas.openxmlformats.org/drawingml/2006/main" xmlns:r="http://schemas.openxmlformats.org/officeDocument/2006/relationships" xmlns:p="http://schemas.openxmlformats.org/presentationml/2006/main" matchingName="6_Title Slide">
+  <p:cSld name="6_Title Slide">
+    <p:spTree>
+      <p:nvGrpSpPr>
+        <p:cNvPr id="1" name="Shape 16"/>
+        <p:cNvGrpSpPr/>
+        <p:nvPr/>
+      </p:nvGrpSpPr>
+      <p:grpSpPr>
+        <a:xfrm>
+          <a:off x="0" y="0"/>
+          <a:ext cx="0" cy="0"/>
+          <a:chOff x="0" y="0"/>
+          <a:chExt cx="0" cy="0"/>
+        </a:xfrm>
+      </p:grpSpPr>
+      <p:pic>
+        <p:nvPicPr>
+          <p:cNvPr id="17" name="Google Shape;17;p10"/>
+          <p:cNvPicPr preferRelativeResize="0"/>
+          <p:nvPr/>
+        </p:nvPicPr>
+        <p:blipFill rotWithShape="1">
+          <a:blip r:embed="rId2">
+            <a:alphaModFix/>
+          </a:blip>
+          <a:srcRect/>
+          <a:stretch/>
+        </p:blipFill>
+        <p:spPr>
+          <a:xfrm>
+            <a:off x="10668000" y="5981612"/>
+            <a:ext cx="1246029" cy="511263"/>
+          </a:xfrm>
+          <a:prstGeom prst="rect">
+            <a:avLst/>
+          </a:prstGeom>
+          <a:noFill/>
+          <a:ln>
+            <a:noFill/>
+          </a:ln>
+        </p:spPr>
+      </p:pic>
+    </p:spTree>
+    <p:extLst>
+      <p:ext uri="{BB962C8B-B14F-4D97-AF65-F5344CB8AC3E}">
+        <p14:creationId xmlns:p14="http://schemas.microsoft.com/office/powerpoint/2010/main" val="3338195712"/>
+      </p:ext>
+    </p:extLst>
+  </p:cSld>
+  <p:clrMapOvr>
+    <a:masterClrMapping/>
+  </p:clrMapOvr>
+</p:sldLayout>
+</file>
+
 <file path=ppt/slideLayouts/slideLayout2.xml><?xml version="1.0" encoding="utf-8"?>
 <p:sldLayout xmlns:a="http://schemas.openxmlformats.org/drawingml/2006/main" xmlns:r="http://schemas.openxmlformats.org/officeDocument/2006/relationships" xmlns:p="http://schemas.openxmlformats.org/presentationml/2006/main" type="obj" preserve="1">
   <p:cSld name="Title and Content">
@@ -7648,11 +7517,11 @@
     <p:sldLayoutId id="2147483657" r:id="rId9"/>
     <p:sldLayoutId id="2147483658" r:id="rId10"/>
     <p:sldLayoutId id="2147483659" r:id="rId11"/>
-    <p:sldLayoutId id="2147483660" r:id="rId12"/>
-    <p:sldLayoutId id="2147483663" r:id="rId13"/>
-    <p:sldLayoutId id="2147483665" r:id="rId14"/>
-    <p:sldLayoutId id="2147483667" r:id="rId15"/>
-    <p:sldLayoutId id="2147483670" r:id="rId16"/>
+    <p:sldLayoutId id="2147483663" r:id="rId12"/>
+    <p:sldLayoutId id="2147483665" r:id="rId13"/>
+    <p:sldLayoutId id="2147483667" r:id="rId14"/>
+    <p:sldLayoutId id="2147483670" r:id="rId15"/>
+    <p:sldLayoutId id="2147483671" r:id="rId16"/>
   </p:sldLayoutIdLst>
   <p:txStyles>
     <p:titleStyle>
@@ -7942,7 +7811,7 @@
   <p:cSld>
     <p:spTree>
       <p:nvGrpSpPr>
-        <p:cNvPr id="1" name=""/>
+        <p:cNvPr id="1" name="Shape 161"/>
         <p:cNvGrpSpPr/>
         <p:nvPr/>
       </p:nvGrpSpPr>
@@ -7956,44 +7825,481 @@
       </p:grpSpPr>
       <p:sp>
         <p:nvSpPr>
-          <p:cNvPr id="2" name="Title 1"/>
-          <p:cNvSpPr>
-            <a:spLocks noGrp="1"/>
-          </p:cNvSpPr>
-          <p:nvPr>
-            <p:ph type="ctrTitle"/>
-          </p:nvPr>
+          <p:cNvPr id="162" name="Google Shape;162;p3"/>
+          <p:cNvSpPr/>
+          <p:nvPr/>
         </p:nvSpPr>
         <p:spPr>
           <a:xfrm>
-            <a:off x="2135560" y="1700808"/>
-            <a:ext cx="7388072" cy="1085850"/>
+            <a:off x="753215" y="731221"/>
+            <a:ext cx="1852408" cy="1804715"/>
           </a:xfrm>
+          <a:prstGeom prst="rect">
+            <a:avLst/>
+          </a:prstGeom>
+          <a:noFill/>
+          <a:ln w="114300" cap="flat" cmpd="sng">
+            <a:solidFill>
+              <a:srgbClr val="0071F6"/>
+            </a:solidFill>
+            <a:prstDash val="solid"/>
+            <a:miter lim="800000"/>
+            <a:headEnd type="none" w="sm" len="sm"/>
+            <a:tailEnd type="none" w="sm" len="sm"/>
+          </a:ln>
         </p:spPr>
         <p:txBody>
-          <a:bodyPr>
-            <a:normAutofit/>
+          <a:bodyPr spcFirstLastPara="1" wrap="square" lIns="91425" tIns="45700" rIns="91425" bIns="45700" anchor="ctr" anchorCtr="0">
+            <a:noAutofit/>
           </a:bodyPr>
           <a:lstStyle/>
           <a:p>
-            <a:r>
-              <a:rPr lang="en-US" dirty="0"/>
-              <a:t>Module 04 – Interop</a:t>
-            </a:r>
-            <a:endParaRPr lang="he-IL" dirty="0"/>
+            <a:pPr marL="0" marR="0" lvl="0" indent="0" algn="ctr" rtl="0">
+              <a:spcBef>
+                <a:spcPts val="0"/>
+              </a:spcBef>
+              <a:spcAft>
+                <a:spcPts val="0"/>
+              </a:spcAft>
+              <a:buNone/>
+            </a:pPr>
+            <a:endParaRPr sz="10000" b="0" i="0" u="none" strike="noStrike" cap="none">
+              <a:solidFill>
+                <a:schemeClr val="lt1"/>
+              </a:solidFill>
+              <a:latin typeface="Calibri"/>
+              <a:ea typeface="Calibri"/>
+              <a:cs typeface="Calibri"/>
+              <a:sym typeface="Calibri"/>
+            </a:endParaRPr>
           </a:p>
         </p:txBody>
       </p:sp>
+      <p:sp>
+        <p:nvSpPr>
+          <p:cNvPr id="163" name="Google Shape;163;p3"/>
+          <p:cNvSpPr/>
+          <p:nvPr/>
+        </p:nvSpPr>
+        <p:spPr>
+          <a:xfrm>
+            <a:off x="1024128" y="974550"/>
+            <a:ext cx="1938528" cy="1220010"/>
+          </a:xfrm>
+          <a:prstGeom prst="rect">
+            <a:avLst/>
+          </a:prstGeom>
+          <a:solidFill>
+            <a:schemeClr val="lt1"/>
+          </a:solidFill>
+          <a:ln>
+            <a:noFill/>
+          </a:ln>
+        </p:spPr>
+        <p:txBody>
+          <a:bodyPr spcFirstLastPara="1" wrap="square" lIns="91425" tIns="45700" rIns="91425" bIns="45700" anchor="ctr" anchorCtr="0">
+            <a:noAutofit/>
+          </a:bodyPr>
+          <a:lstStyle/>
+          <a:p>
+            <a:pPr marL="0" marR="0" lvl="0" indent="0" algn="ctr" rtl="0">
+              <a:spcBef>
+                <a:spcPts val="0"/>
+              </a:spcBef>
+              <a:spcAft>
+                <a:spcPts val="0"/>
+              </a:spcAft>
+              <a:buNone/>
+            </a:pPr>
+            <a:endParaRPr sz="1800" b="0" i="0" u="none" strike="noStrike" cap="none">
+              <a:solidFill>
+                <a:schemeClr val="lt1"/>
+              </a:solidFill>
+              <a:latin typeface="Calibri"/>
+              <a:ea typeface="Calibri"/>
+              <a:cs typeface="Calibri"/>
+              <a:sym typeface="Calibri"/>
+            </a:endParaRPr>
+          </a:p>
+        </p:txBody>
+      </p:sp>
+      <p:sp>
+        <p:nvSpPr>
+          <p:cNvPr id="164" name="Google Shape;164;p3"/>
+          <p:cNvSpPr txBox="1"/>
+          <p:nvPr/>
+        </p:nvSpPr>
+        <p:spPr>
+          <a:xfrm>
+            <a:off x="1197504" y="1264978"/>
+            <a:ext cx="9479731" cy="696987"/>
+          </a:xfrm>
+          <a:prstGeom prst="rect">
+            <a:avLst/>
+          </a:prstGeom>
+          <a:noFill/>
+          <a:ln>
+            <a:noFill/>
+          </a:ln>
+        </p:spPr>
+        <p:txBody>
+          <a:bodyPr spcFirstLastPara="1" wrap="square" lIns="0" tIns="0" rIns="0" bIns="0" anchor="t" anchorCtr="0">
+            <a:noAutofit/>
+          </a:bodyPr>
+          <a:lstStyle/>
+          <a:p>
+            <a:pPr marL="0" marR="0" lvl="0" indent="0" algn="l" rtl="0">
+              <a:lnSpc>
+                <a:spcPct val="90000"/>
+              </a:lnSpc>
+              <a:spcBef>
+                <a:spcPts val="0"/>
+              </a:spcBef>
+              <a:spcAft>
+                <a:spcPts val="0"/>
+              </a:spcAft>
+              <a:buClr>
+                <a:schemeClr val="dk1"/>
+              </a:buClr>
+              <a:buSzPts val="5000"/>
+              <a:buFont typeface="Lexend"/>
+              <a:buNone/>
+            </a:pPr>
+            <a:r>
+              <a:rPr lang="en-US" sz="5400" b="1" dirty="0">
+                <a:latin typeface="Lexend" panose="020B0604020202020204"/>
+              </a:rPr>
+              <a:t>Module 04 – Interop</a:t>
+            </a:r>
+            <a:endParaRPr lang="en-US" sz="2000" b="1" i="0" u="none" strike="noStrike" cap="none" dirty="0">
+              <a:solidFill>
+                <a:schemeClr val="tx2">
+                  <a:lumMod val="25000"/>
+                </a:schemeClr>
+              </a:solidFill>
+              <a:latin typeface="Lexend" panose="020B0604020202020204"/>
+              <a:ea typeface="Lexend" panose="020B0604020202020204"/>
+              <a:cs typeface="Lexend" panose="020B0604020202020204"/>
+              <a:sym typeface="Lexend"/>
+            </a:endParaRPr>
+          </a:p>
+        </p:txBody>
+      </p:sp>
+      <p:grpSp>
+        <p:nvGrpSpPr>
+          <p:cNvPr id="26" name="Group 25">
+            <a:extLst>
+              <a:ext uri="{FF2B5EF4-FFF2-40B4-BE49-F238E27FC236}">
+                <a16:creationId xmlns:a16="http://schemas.microsoft.com/office/drawing/2014/main" id="{3707614E-B472-D72F-3362-F3D5800A79AE}"/>
+              </a:ext>
+            </a:extLst>
+          </p:cNvPr>
+          <p:cNvGrpSpPr/>
+          <p:nvPr/>
+        </p:nvGrpSpPr>
+        <p:grpSpPr>
+          <a:xfrm>
+            <a:off x="4768981" y="6314787"/>
+            <a:ext cx="2898939" cy="435065"/>
+            <a:chOff x="4346126" y="6301065"/>
+            <a:chExt cx="2898939" cy="435065"/>
+          </a:xfrm>
+        </p:grpSpPr>
+        <p:sp>
+          <p:nvSpPr>
+            <p:cNvPr id="27" name="Google Shape;157;p2">
+              <a:extLst>
+                <a:ext uri="{FF2B5EF4-FFF2-40B4-BE49-F238E27FC236}">
+                  <a16:creationId xmlns:a16="http://schemas.microsoft.com/office/drawing/2014/main" id="{4EA5EBB7-68D9-5C27-8971-C58931043AB0}"/>
+                </a:ext>
+              </a:extLst>
+            </p:cNvPr>
+            <p:cNvSpPr txBox="1"/>
+            <p:nvPr/>
+          </p:nvSpPr>
+          <p:spPr>
+            <a:xfrm>
+              <a:off x="4346126" y="6301065"/>
+              <a:ext cx="2898939" cy="260080"/>
+            </a:xfrm>
+            <a:prstGeom prst="rect">
+              <a:avLst/>
+            </a:prstGeom>
+            <a:noFill/>
+            <a:ln>
+              <a:noFill/>
+            </a:ln>
+          </p:spPr>
+          <p:txBody>
+            <a:bodyPr spcFirstLastPara="1" wrap="square" lIns="91425" tIns="45700" rIns="91425" bIns="45700" anchor="t" anchorCtr="0">
+              <a:noAutofit/>
+            </a:bodyPr>
+            <a:lstStyle/>
+            <a:p>
+              <a:pPr marL="0" marR="0" lvl="0" indent="0" algn="ctr" rtl="0">
+                <a:lnSpc>
+                  <a:spcPct val="90000"/>
+                </a:lnSpc>
+                <a:spcBef>
+                  <a:spcPts val="0"/>
+                </a:spcBef>
+                <a:spcAft>
+                  <a:spcPts val="0"/>
+                </a:spcAft>
+                <a:buClr>
+                  <a:schemeClr val="lt1"/>
+                </a:buClr>
+                <a:buSzPts val="4000"/>
+                <a:buFont typeface="Lexend"/>
+                <a:buNone/>
+              </a:pPr>
+              <a:r>
+                <a:rPr lang="en-US" sz="1100" b="1" i="0" u="none" strike="noStrike" cap="none" dirty="0">
+                  <a:solidFill>
+                    <a:srgbClr val="00DBE9"/>
+                  </a:solidFill>
+                  <a:latin typeface="+mn-lt"/>
+                  <a:ea typeface="Lexend"/>
+                  <a:cs typeface="+mn-cs"/>
+                  <a:sym typeface="Lexend"/>
+                  <a:hlinkClick r:id="rId3">
+                    <a:extLst>
+                      <a:ext uri="{A12FA001-AC4F-418D-AE19-62706E023703}">
+                        <ahyp:hlinkClr xmlns:ahyp="http://schemas.microsoft.com/office/drawing/2018/hyperlinkcolor" val="tx"/>
+                      </a:ext>
+                    </a:extLst>
+                  </a:hlinkClick>
+                </a:rPr>
+                <a:t>WWW.SELACLOUD.COM</a:t>
+              </a:r>
+              <a:endParaRPr sz="1100" dirty="0">
+                <a:solidFill>
+                  <a:srgbClr val="00DBE9"/>
+                </a:solidFill>
+                <a:latin typeface="+mn-lt"/>
+                <a:cs typeface="+mn-cs"/>
+              </a:endParaRPr>
+            </a:p>
+            <a:p>
+              <a:pPr marL="0" marR="0" lvl="0" indent="0" algn="ctr" rtl="0">
+                <a:lnSpc>
+                  <a:spcPct val="90000"/>
+                </a:lnSpc>
+                <a:spcBef>
+                  <a:spcPts val="0"/>
+                </a:spcBef>
+                <a:spcAft>
+                  <a:spcPts val="0"/>
+                </a:spcAft>
+                <a:buClr>
+                  <a:schemeClr val="lt1"/>
+                </a:buClr>
+                <a:buSzPts val="4000"/>
+                <a:buFont typeface="Noto Sans Hebrew"/>
+                <a:buNone/>
+              </a:pPr>
+              <a:endParaRPr sz="1100" b="1" i="0" u="none" strike="noStrike" cap="none" dirty="0">
+                <a:solidFill>
+                  <a:srgbClr val="00DBE9"/>
+                </a:solidFill>
+                <a:latin typeface="Lexend Light" pitchFamily="2" charset="0"/>
+                <a:ea typeface="Lexend"/>
+                <a:cs typeface="Lexend"/>
+                <a:sym typeface="Lexend"/>
+              </a:endParaRPr>
+            </a:p>
+          </p:txBody>
+        </p:sp>
+        <p:grpSp>
+          <p:nvGrpSpPr>
+            <p:cNvPr id="28" name="Group 27">
+              <a:extLst>
+                <a:ext uri="{FF2B5EF4-FFF2-40B4-BE49-F238E27FC236}">
+                  <a16:creationId xmlns:a16="http://schemas.microsoft.com/office/drawing/2014/main" id="{60FDA890-33F8-40FC-59E2-9BD7B4CF4B60}"/>
+                </a:ext>
+              </a:extLst>
+            </p:cNvPr>
+            <p:cNvGrpSpPr/>
+            <p:nvPr/>
+          </p:nvGrpSpPr>
+          <p:grpSpPr>
+            <a:xfrm>
+              <a:off x="5196988" y="6503312"/>
+              <a:ext cx="1188416" cy="232818"/>
+              <a:chOff x="5196988" y="6503312"/>
+              <a:chExt cx="1188416" cy="232818"/>
+            </a:xfrm>
+          </p:grpSpPr>
+          <p:pic>
+            <p:nvPicPr>
+              <p:cNvPr id="29" name="Picture 28" descr="Icon&#10;&#10;Description automatically generated">
+                <a:hlinkClick r:id="rId4"/>
+                <a:extLst>
+                  <a:ext uri="{FF2B5EF4-FFF2-40B4-BE49-F238E27FC236}">
+                    <a16:creationId xmlns:a16="http://schemas.microsoft.com/office/drawing/2014/main" id="{64501E28-0CD7-BEAB-240F-3FE7691367B8}"/>
+                  </a:ext>
+                </a:extLst>
+              </p:cNvPr>
+              <p:cNvPicPr>
+                <a:picLocks noChangeAspect="1"/>
+              </p:cNvPicPr>
+              <p:nvPr/>
+            </p:nvPicPr>
+            <p:blipFill>
+              <a:blip r:embed="rId5"/>
+              <a:stretch>
+                <a:fillRect/>
+              </a:stretch>
+            </p:blipFill>
+            <p:spPr>
+              <a:xfrm>
+                <a:off x="5407162" y="6503312"/>
+                <a:ext cx="338919" cy="232817"/>
+              </a:xfrm>
+              <a:prstGeom prst="rect">
+                <a:avLst/>
+              </a:prstGeom>
+            </p:spPr>
+          </p:pic>
+          <p:pic>
+            <p:nvPicPr>
+              <p:cNvPr id="30" name="Picture 29" descr="Logo, icon&#10;&#10;Description automatically generated">
+                <a:hlinkClick r:id="rId6"/>
+                <a:extLst>
+                  <a:ext uri="{FF2B5EF4-FFF2-40B4-BE49-F238E27FC236}">
+                    <a16:creationId xmlns:a16="http://schemas.microsoft.com/office/drawing/2014/main" id="{4D899894-16A2-81DC-1AC3-0E3C481677CD}"/>
+                  </a:ext>
+                </a:extLst>
+              </p:cNvPr>
+              <p:cNvPicPr>
+                <a:picLocks noChangeAspect="1"/>
+              </p:cNvPicPr>
+              <p:nvPr/>
+            </p:nvPicPr>
+            <p:blipFill>
+              <a:blip r:embed="rId7"/>
+              <a:stretch>
+                <a:fillRect/>
+              </a:stretch>
+            </p:blipFill>
+            <p:spPr>
+              <a:xfrm>
+                <a:off x="5837917" y="6503313"/>
+                <a:ext cx="338919" cy="232817"/>
+              </a:xfrm>
+              <a:prstGeom prst="rect">
+                <a:avLst/>
+              </a:prstGeom>
+            </p:spPr>
+          </p:pic>
+          <p:pic>
+            <p:nvPicPr>
+              <p:cNvPr id="31" name="Picture 30" descr="Logo&#10;&#10;Description automatically generated">
+                <a:hlinkClick r:id="rId8"/>
+                <a:extLst>
+                  <a:ext uri="{FF2B5EF4-FFF2-40B4-BE49-F238E27FC236}">
+                    <a16:creationId xmlns:a16="http://schemas.microsoft.com/office/drawing/2014/main" id="{6DECAAD2-14ED-D62E-83E5-01D62FD73E58}"/>
+                  </a:ext>
+                </a:extLst>
+              </p:cNvPr>
+              <p:cNvPicPr>
+                <a:picLocks noChangeAspect="1"/>
+              </p:cNvPicPr>
+              <p:nvPr/>
+            </p:nvPicPr>
+            <p:blipFill>
+              <a:blip r:embed="rId9"/>
+              <a:stretch>
+                <a:fillRect/>
+              </a:stretch>
+            </p:blipFill>
+            <p:spPr>
+              <a:xfrm>
+                <a:off x="6046485" y="6503313"/>
+                <a:ext cx="338919" cy="232817"/>
+              </a:xfrm>
+              <a:prstGeom prst="rect">
+                <a:avLst/>
+              </a:prstGeom>
+            </p:spPr>
+          </p:pic>
+          <p:pic>
+            <p:nvPicPr>
+              <p:cNvPr id="32" name="Picture 31" descr="Icon&#10;&#10;Description automatically generated">
+                <a:hlinkClick r:id="rId10"/>
+                <a:extLst>
+                  <a:ext uri="{FF2B5EF4-FFF2-40B4-BE49-F238E27FC236}">
+                    <a16:creationId xmlns:a16="http://schemas.microsoft.com/office/drawing/2014/main" id="{DC102836-817A-8573-C7AB-C2724E6E5F1C}"/>
+                  </a:ext>
+                </a:extLst>
+              </p:cNvPr>
+              <p:cNvPicPr>
+                <a:picLocks noChangeAspect="1"/>
+              </p:cNvPicPr>
+              <p:nvPr/>
+            </p:nvPicPr>
+            <p:blipFill>
+              <a:blip r:embed="rId11"/>
+              <a:stretch>
+                <a:fillRect/>
+              </a:stretch>
+            </p:blipFill>
+            <p:spPr>
+              <a:xfrm>
+                <a:off x="5196988" y="6503312"/>
+                <a:ext cx="338919" cy="232817"/>
+              </a:xfrm>
+              <a:prstGeom prst="rect">
+                <a:avLst/>
+              </a:prstGeom>
+            </p:spPr>
+          </p:pic>
+          <p:pic>
+            <p:nvPicPr>
+              <p:cNvPr id="33" name="Picture 32" descr="Icon&#10;&#10;Description automatically generated">
+                <a:hlinkClick r:id="rId12"/>
+                <a:extLst>
+                  <a:ext uri="{FF2B5EF4-FFF2-40B4-BE49-F238E27FC236}">
+                    <a16:creationId xmlns:a16="http://schemas.microsoft.com/office/drawing/2014/main" id="{F46B6109-4740-9E76-5C84-B96F79785CAF}"/>
+                  </a:ext>
+                </a:extLst>
+              </p:cNvPr>
+              <p:cNvPicPr>
+                <a:picLocks noChangeAspect="1"/>
+              </p:cNvPicPr>
+              <p:nvPr/>
+            </p:nvPicPr>
+            <p:blipFill>
+              <a:blip r:embed="rId13"/>
+              <a:stretch>
+                <a:fillRect/>
+              </a:stretch>
+            </p:blipFill>
+            <p:spPr>
+              <a:xfrm>
+                <a:off x="5626137" y="6503312"/>
+                <a:ext cx="338919" cy="232817"/>
+              </a:xfrm>
+              <a:prstGeom prst="rect">
+                <a:avLst/>
+              </a:prstGeom>
+            </p:spPr>
+          </p:pic>
+        </p:grpSp>
+      </p:grpSp>
     </p:spTree>
-    <p:extLst>
-      <p:ext uri="{BB962C8B-B14F-4D97-AF65-F5344CB8AC3E}">
-        <p14:creationId xmlns:p14="http://schemas.microsoft.com/office/powerpoint/2010/main" val="2844620833"/>
-      </p:ext>
-    </p:extLst>
   </p:cSld>
   <p:clrMapOvr>
     <a:masterClrMapping/>
   </p:clrMapOvr>
+  <mc:AlternateContent xmlns:mc="http://schemas.openxmlformats.org/markup-compatibility/2006" xmlns:p14="http://schemas.microsoft.com/office/powerpoint/2010/main">
+    <mc:Choice Requires="p14">
+      <p:transition spd="slow" p14:dur="2000" advTm="2283"/>
+    </mc:Choice>
+    <mc:Fallback xmlns="">
+      <p:transition spd="slow" advTm="2283"/>
+    </mc:Fallback>
+  </mc:AlternateContent>
 </p:sld>
 </file>
 
@@ -8030,26 +8336,28 @@
           <a:lstStyle/>
           <a:p>
             <a:r>
-              <a:rPr lang="en-US" b="0" i="0" dirty="0" err="1">
-                <a:solidFill>
-                  <a:srgbClr val="000000"/>
-                </a:solidFill>
-                <a:effectLst/>
-                <a:latin typeface="+mn-lt"/>
+              <a:rPr lang="en-US" b="1" i="0" dirty="0" err="1">
+                <a:solidFill>
+                  <a:srgbClr val="000000"/>
+                </a:solidFill>
+                <a:effectLst/>
+                <a:latin typeface="Lexend Light"/>
               </a:rPr>
               <a:t>TestDIl.dil</a:t>
             </a:r>
             <a:r>
-              <a:rPr lang="en-US" b="0" i="0" dirty="0">
-                <a:solidFill>
-                  <a:srgbClr val="000000"/>
-                </a:solidFill>
-                <a:effectLst/>
-                <a:latin typeface="+mn-lt"/>
+              <a:rPr lang="en-US" b="1" i="0" dirty="0">
+                <a:solidFill>
+                  <a:srgbClr val="000000"/>
+                </a:solidFill>
+                <a:effectLst/>
+                <a:latin typeface="Lexend Light"/>
               </a:rPr>
               <a:t> Example</a:t>
             </a:r>
-            <a:endParaRPr lang="he-IL" dirty="0"/>
+            <a:endParaRPr lang="he-IL" b="1" dirty="0">
+              <a:latin typeface="Lexend Light"/>
+            </a:endParaRPr>
           </a:p>
         </p:txBody>
       </p:sp>
@@ -10031,20 +10339,28 @@
           <a:lstStyle/>
           <a:p>
             <a:r>
-              <a:rPr lang="en-US" b="0" i="0" dirty="0">
-                <a:solidFill>
-                  <a:srgbClr val="000000"/>
-                </a:solidFill>
-                <a:effectLst/>
-                <a:latin typeface="+mn-lt"/>
+              <a:rPr lang="en-US" b="1" i="0" dirty="0">
+                <a:solidFill>
+                  <a:srgbClr val="0071F6"/>
+                </a:solidFill>
+                <a:effectLst/>
+                <a:latin typeface="Lexend" panose="020B0604020202020204"/>
               </a:rPr>
               <a:t>Python Code </a:t>
             </a:r>
             <a:br>
-              <a:rPr lang="en-US" dirty="0"/>
+              <a:rPr lang="en-US" b="1" dirty="0">
+                <a:solidFill>
+                  <a:srgbClr val="0071F6"/>
+                </a:solidFill>
+                <a:latin typeface="Lexend" panose="020B0604020202020204"/>
+              </a:rPr>
             </a:br>
-            <a:endParaRPr lang="en-US" dirty="0">
-              <a:latin typeface="Calibri" panose="020F0502020204030204" pitchFamily="34" charset="0"/>
+            <a:endParaRPr lang="en-US" b="1" dirty="0">
+              <a:solidFill>
+                <a:srgbClr val="0071F6"/>
+              </a:solidFill>
+              <a:latin typeface="Lexend" panose="020B0604020202020204"/>
               <a:cs typeface="Calibri" panose="020F0502020204030204" pitchFamily="34" charset="0"/>
             </a:endParaRPr>
           </a:p>
@@ -10078,6 +10394,7 @@
                   <a:srgbClr val="000000"/>
                 </a:solidFill>
                 <a:effectLst/>
+                <a:latin typeface="Lexend Light"/>
               </a:rPr>
               <a:t>When </a:t>
             </a:r>
@@ -10087,6 +10404,7 @@
                   <a:srgbClr val="000000"/>
                 </a:solidFill>
                 <a:effectLst/>
+                <a:latin typeface="Lexend Light"/>
               </a:rPr>
               <a:t>dll</a:t>
             </a:r>
@@ -10096,6 +10414,7 @@
                   <a:srgbClr val="000000"/>
                 </a:solidFill>
                 <a:effectLst/>
+                <a:latin typeface="Lexend Light"/>
               </a:rPr>
               <a:t> is loaded python has access to its functions </a:t>
             </a:r>
@@ -10107,6 +10426,7 @@
                   <a:srgbClr val="000000"/>
                 </a:solidFill>
                 <a:effectLst/>
+                <a:latin typeface="Lexend Light"/>
               </a:rPr>
               <a:t>functions within the </a:t>
             </a:r>
@@ -10116,6 +10436,7 @@
                   <a:srgbClr val="000000"/>
                 </a:solidFill>
                 <a:effectLst/>
+                <a:latin typeface="Lexend Light"/>
               </a:rPr>
               <a:t>dll</a:t>
             </a:r>
@@ -10125,6 +10446,7 @@
                   <a:srgbClr val="000000"/>
                 </a:solidFill>
                 <a:effectLst/>
+                <a:latin typeface="Lexend Light"/>
               </a:rPr>
               <a:t> has </a:t>
             </a:r>
@@ -10134,6 +10456,7 @@
                   <a:srgbClr val="000000"/>
                 </a:solidFill>
                 <a:effectLst/>
+                <a:latin typeface="Lexend Light"/>
               </a:rPr>
               <a:t>restype</a:t>
             </a:r>
@@ -10143,6 +10466,7 @@
                   <a:srgbClr val="000000"/>
                 </a:solidFill>
                 <a:effectLst/>
+                <a:latin typeface="Lexend Light"/>
               </a:rPr>
               <a:t> property that helps define return value type </a:t>
             </a:r>
@@ -10152,7 +10476,7 @@
               <a:solidFill>
                 <a:srgbClr val="000000"/>
               </a:solidFill>
-              <a:latin typeface="Courier New" panose="02070309020205020404" pitchFamily="49" charset="0"/>
+              <a:latin typeface="Lexend Light"/>
             </a:endParaRPr>
           </a:p>
         </p:txBody>
@@ -10690,17 +11014,20 @@
           <a:lstStyle/>
           <a:p>
             <a:r>
-              <a:rPr lang="en-US" b="0" i="0" dirty="0">
-                <a:solidFill>
-                  <a:srgbClr val="000000"/>
-                </a:solidFill>
-                <a:effectLst/>
-                <a:latin typeface="+mn-lt"/>
+              <a:rPr lang="en-US" b="1" i="0" dirty="0">
+                <a:solidFill>
+                  <a:srgbClr val="0071F6"/>
+                </a:solidFill>
+                <a:effectLst/>
+                <a:latin typeface="Lexend" panose="020B0604020202020204"/>
               </a:rPr>
               <a:t>Python Code - cont’d</a:t>
             </a:r>
-            <a:endParaRPr lang="he-IL" dirty="0">
-              <a:latin typeface="+mn-lt"/>
+            <a:endParaRPr lang="he-IL" b="1" dirty="0">
+              <a:solidFill>
+                <a:srgbClr val="0071F6"/>
+              </a:solidFill>
+              <a:latin typeface="Lexend" panose="020B0604020202020204"/>
               <a:cs typeface="Calibri" panose="020F0502020204030204" pitchFamily="34" charset="0"/>
             </a:endParaRPr>
           </a:p>
@@ -10739,6 +11066,7 @@
                 <a:srgbClr val="000000"/>
               </a:solidFill>
               <a:effectLst/>
+              <a:latin typeface="Lexend Light"/>
             </a:endParaRPr>
           </a:p>
           <a:p>
@@ -10752,6 +11080,7 @@
               <a:solidFill>
                 <a:srgbClr val="000000"/>
               </a:solidFill>
+              <a:latin typeface="Lexend Light"/>
             </a:endParaRPr>
           </a:p>
           <a:p>
@@ -10766,6 +11095,7 @@
                 <a:srgbClr val="000000"/>
               </a:solidFill>
               <a:effectLst/>
+              <a:latin typeface="Lexend Light"/>
             </a:endParaRPr>
           </a:p>
           <a:p>
@@ -10780,6 +11110,7 @@
                   <a:srgbClr val="000000"/>
                 </a:solidFill>
                 <a:effectLst/>
+                <a:latin typeface="Lexend Light"/>
               </a:rPr>
               <a:t> </a:t>
             </a:r>
@@ -10789,6 +11120,7 @@
                   <a:srgbClr val="000000"/>
                 </a:solidFill>
                 <a:effectLst/>
+                <a:latin typeface="Lexend Light"/>
               </a:rPr>
               <a:t>ctypes</a:t>
             </a:r>
@@ -10798,6 +11130,7 @@
                   <a:srgbClr val="000000"/>
                 </a:solidFill>
                 <a:effectLst/>
+                <a:latin typeface="Lexend Light"/>
               </a:rPr>
               <a:t> has </a:t>
             </a:r>
@@ -10807,6 +11140,7 @@
                   <a:srgbClr val="000000"/>
                 </a:solidFill>
                 <a:effectLst/>
+                <a:latin typeface="Lexend Light"/>
               </a:rPr>
               <a:t>byref</a:t>
             </a:r>
@@ -10816,6 +11150,7 @@
                   <a:srgbClr val="000000"/>
                 </a:solidFill>
                 <a:effectLst/>
+                <a:latin typeface="Lexend Light"/>
               </a:rPr>
               <a:t> function for integration with C functions that receives arguments by reference </a:t>
             </a:r>
@@ -10832,6 +11167,7 @@
                   <a:srgbClr val="000000"/>
                 </a:solidFill>
                 <a:effectLst/>
+                <a:latin typeface="Lexend Light"/>
               </a:rPr>
               <a:t> </a:t>
             </a:r>
@@ -10841,6 +11177,7 @@
                   <a:srgbClr val="000000"/>
                 </a:solidFill>
                 <a:effectLst/>
+                <a:latin typeface="Lexend Light"/>
               </a:rPr>
               <a:t>byref</a:t>
             </a:r>
@@ -10850,6 +11187,7 @@
                   <a:srgbClr val="000000"/>
                 </a:solidFill>
                 <a:effectLst/>
+                <a:latin typeface="Lexend Light"/>
               </a:rPr>
               <a:t> works with </a:t>
             </a:r>
@@ -10859,6 +11197,7 @@
                   <a:srgbClr val="000000"/>
                 </a:solidFill>
                 <a:effectLst/>
+                <a:latin typeface="Lexend Light"/>
               </a:rPr>
               <a:t>ctypes</a:t>
             </a:r>
@@ -10868,6 +11207,7 @@
                   <a:srgbClr val="000000"/>
                 </a:solidFill>
                 <a:effectLst/>
+                <a:latin typeface="Lexend Light"/>
               </a:rPr>
               <a:t> types only .</a:t>
             </a:r>
@@ -10883,6 +11223,7 @@
               <a:solidFill>
                 <a:srgbClr val="000000"/>
               </a:solidFill>
+              <a:latin typeface="Lexend Light"/>
             </a:endParaRPr>
           </a:p>
           <a:p>
@@ -10898,10 +11239,12 @@
                   <a:srgbClr val="000000"/>
                 </a:solidFill>
                 <a:effectLst/>
+                <a:latin typeface="Lexend Light"/>
               </a:rPr>
               <a:t> </a:t>
             </a:r>
             <a:endParaRPr lang="he-IL" sz="2400" dirty="0">
+              <a:latin typeface="Lexend Light"/>
               <a:cs typeface="Calibri" panose="020F0502020204030204" pitchFamily="34" charset="0"/>
             </a:endParaRPr>
           </a:p>
@@ -11828,17 +12171,20 @@
           <a:lstStyle/>
           <a:p>
             <a:r>
-              <a:rPr lang="en-US" b="0" i="0" dirty="0">
-                <a:solidFill>
-                  <a:srgbClr val="000000"/>
-                </a:solidFill>
-                <a:effectLst/>
-                <a:latin typeface="+mn-lt"/>
+              <a:rPr lang="en-US" b="1" i="0" dirty="0">
+                <a:solidFill>
+                  <a:srgbClr val="0071F6"/>
+                </a:solidFill>
+                <a:effectLst/>
+                <a:latin typeface="Lexend" panose="020B0604020202020204"/>
               </a:rPr>
               <a:t>Python Code - cont’d</a:t>
             </a:r>
-            <a:endParaRPr lang="he-IL" dirty="0">
-              <a:latin typeface="+mn-lt"/>
+            <a:endParaRPr lang="he-IL" b="1" dirty="0">
+              <a:solidFill>
+                <a:srgbClr val="0071F6"/>
+              </a:solidFill>
+              <a:latin typeface="Lexend" panose="020B0604020202020204"/>
               <a:cs typeface="Calibri" panose="020F0502020204030204" pitchFamily="34" charset="0"/>
             </a:endParaRPr>
           </a:p>
@@ -11858,7 +12204,7 @@
         </p:nvSpPr>
         <p:spPr>
           <a:xfrm>
-            <a:off x="815413" y="1268680"/>
+            <a:off x="815413" y="1492982"/>
             <a:ext cx="10657184" cy="2677656"/>
           </a:xfrm>
           <a:prstGeom prst="rect">
@@ -11882,6 +12228,7 @@
                   <a:srgbClr val="000000"/>
                 </a:solidFill>
                 <a:effectLst/>
+                <a:latin typeface="Lexend Light"/>
               </a:rPr>
               <a:t>ctypes</a:t>
             </a:r>
@@ -11891,6 +12238,7 @@
                   <a:srgbClr val="000000"/>
                 </a:solidFill>
                 <a:effectLst/>
+                <a:latin typeface="Lexend Light"/>
               </a:rPr>
               <a:t> module also has POINTER type for integrating C pointers d. </a:t>
             </a:r>
@@ -11900,6 +12248,7 @@
                   <a:srgbClr val="000000"/>
                 </a:solidFill>
                 <a:effectLst/>
+                <a:latin typeface="Lexend Light"/>
               </a:rPr>
               <a:t>pointer_func.restype</a:t>
             </a:r>
@@ -11909,6 +12258,7 @@
                   <a:srgbClr val="000000"/>
                 </a:solidFill>
                 <a:effectLst/>
+                <a:latin typeface="Lexend Light"/>
               </a:rPr>
               <a:t> = </a:t>
             </a:r>
@@ -11918,6 +12268,7 @@
                   <a:srgbClr val="000000"/>
                 </a:solidFill>
                 <a:effectLst/>
+                <a:latin typeface="Lexend Light"/>
               </a:rPr>
               <a:t>ctypes.POINTER</a:t>
             </a:r>
@@ -11927,6 +12278,7 @@
                   <a:srgbClr val="000000"/>
                 </a:solidFill>
                 <a:effectLst/>
+                <a:latin typeface="Lexend Light"/>
               </a:rPr>
               <a:t>(</a:t>
             </a:r>
@@ -11936,6 +12288,7 @@
                   <a:srgbClr val="000000"/>
                 </a:solidFill>
                 <a:effectLst/>
+                <a:latin typeface="Lexend Light"/>
               </a:rPr>
               <a:t>ctypes.c_float</a:t>
             </a:r>
@@ -11945,6 +12298,7 @@
                   <a:srgbClr val="000000"/>
                 </a:solidFill>
                 <a:effectLst/>
+                <a:latin typeface="Lexend Light"/>
               </a:rPr>
               <a:t>) res=d. </a:t>
             </a:r>
@@ -11954,6 +12308,7 @@
                   <a:srgbClr val="000000"/>
                 </a:solidFill>
                 <a:effectLst/>
+                <a:latin typeface="Lexend Light"/>
               </a:rPr>
               <a:t>pointer_func</a:t>
             </a:r>
@@ -11963,6 +12318,7 @@
                   <a:srgbClr val="000000"/>
                 </a:solidFill>
                 <a:effectLst/>
+                <a:latin typeface="Lexend Light"/>
               </a:rPr>
               <a:t>(</a:t>
             </a:r>
@@ -11972,6 +12328,7 @@
                   <a:srgbClr val="000000"/>
                 </a:solidFill>
                 <a:effectLst/>
+                <a:latin typeface="Lexend Light"/>
               </a:rPr>
               <a:t>ctypes.c_float</a:t>
             </a:r>
@@ -11981,6 +12338,7 @@
                   <a:srgbClr val="000000"/>
                 </a:solidFill>
                 <a:effectLst/>
+                <a:latin typeface="Lexend Light"/>
               </a:rPr>
               <a:t>(15)) </a:t>
             </a:r>
@@ -11994,6 +12352,7 @@
               <a:solidFill>
                 <a:srgbClr val="000000"/>
               </a:solidFill>
+              <a:latin typeface="Lexend Light"/>
             </a:endParaRPr>
           </a:p>
           <a:p>
@@ -12003,6 +12362,7 @@
                   <a:srgbClr val="000000"/>
                 </a:solidFill>
                 <a:effectLst/>
+                <a:latin typeface="Lexend Light"/>
               </a:rPr>
               <a:t>print (res) 				#&lt;__main__.LP_c_float object at 0x01E98260&gt; </a:t>
             </a:r>
@@ -12014,6 +12374,7 @@
                   <a:srgbClr val="000000"/>
                 </a:solidFill>
                 <a:effectLst/>
+                <a:latin typeface="Lexend Light"/>
               </a:rPr>
               <a:t>print (</a:t>
             </a:r>
@@ -12023,6 +12384,7 @@
                   <a:srgbClr val="000000"/>
                 </a:solidFill>
                 <a:effectLst/>
+                <a:latin typeface="Lexend Light"/>
               </a:rPr>
               <a:t>res.contents</a:t>
             </a:r>
@@ -12032,6 +12394,7 @@
                   <a:srgbClr val="000000"/>
                 </a:solidFill>
                 <a:effectLst/>
+                <a:latin typeface="Lexend Light"/>
               </a:rPr>
               <a:t>) 			#c_float(-15.0) </a:t>
             </a:r>
@@ -12043,6 +12406,7 @@
                   <a:srgbClr val="000000"/>
                 </a:solidFill>
                 <a:effectLst/>
+                <a:latin typeface="Lexend Light"/>
               </a:rPr>
               <a:t>print (</a:t>
             </a:r>
@@ -12052,6 +12416,7 @@
                   <a:srgbClr val="000000"/>
                 </a:solidFill>
                 <a:effectLst/>
+                <a:latin typeface="Lexend Light"/>
               </a:rPr>
               <a:t>res.contents.value</a:t>
             </a:r>
@@ -12061,10 +12426,12 @@
                   <a:srgbClr val="000000"/>
                 </a:solidFill>
                 <a:effectLst/>
+                <a:latin typeface="Lexend Light"/>
               </a:rPr>
               <a:t>) 		#15.0</a:t>
             </a:r>
             <a:endParaRPr lang="he-IL" sz="2400" dirty="0">
+              <a:latin typeface="Lexend Light"/>
               <a:cs typeface="Calibri" panose="020F0502020204030204" pitchFamily="34" charset="0"/>
             </a:endParaRPr>
           </a:p>
@@ -12400,17 +12767,20 @@
           <a:lstStyle/>
           <a:p>
             <a:r>
-              <a:rPr lang="en-US" b="0" i="0" dirty="0">
-                <a:solidFill>
-                  <a:srgbClr val="000000"/>
-                </a:solidFill>
-                <a:effectLst/>
-                <a:latin typeface="+mn-lt"/>
+              <a:rPr lang="en-US" b="1" i="0" dirty="0">
+                <a:solidFill>
+                  <a:srgbClr val="0071F6"/>
+                </a:solidFill>
+                <a:effectLst/>
+                <a:latin typeface="Lexend" panose="020B0604020202020204"/>
               </a:rPr>
               <a:t>Python Code - cont’d</a:t>
             </a:r>
-            <a:endParaRPr lang="he-IL" dirty="0">
-              <a:latin typeface="+mn-lt"/>
+            <a:endParaRPr lang="he-IL" b="1" dirty="0">
+              <a:solidFill>
+                <a:srgbClr val="0071F6"/>
+              </a:solidFill>
+              <a:latin typeface="Lexend" panose="020B0604020202020204"/>
               <a:cs typeface="Calibri" panose="020F0502020204030204" pitchFamily="34" charset="0"/>
             </a:endParaRPr>
           </a:p>
@@ -13447,10 +13817,14 @@
           <a:lstStyle/>
           <a:p>
             <a:r>
-              <a:rPr lang="en-US"/>
+              <a:rPr lang="en-US" b="1" dirty="0">
+                <a:latin typeface="Lexend Light"/>
+              </a:rPr>
               <a:t>Lab 01</a:t>
             </a:r>
-            <a:endParaRPr lang="he-IL"/>
+            <a:endParaRPr lang="he-IL" b="1" dirty="0">
+              <a:latin typeface="Lexend Light"/>
+            </a:endParaRPr>
           </a:p>
         </p:txBody>
       </p:sp>
@@ -13530,17 +13904,20 @@
           <a:lstStyle/>
           <a:p>
             <a:r>
-              <a:rPr lang="en-US" b="0" i="0" dirty="0">
-                <a:solidFill>
-                  <a:srgbClr val="000000"/>
-                </a:solidFill>
-                <a:effectLst/>
-                <a:latin typeface="+mn-lt"/>
+              <a:rPr lang="en-US" b="1" i="0" dirty="0">
+                <a:solidFill>
+                  <a:srgbClr val="0071F6"/>
+                </a:solidFill>
+                <a:effectLst/>
+                <a:latin typeface="Lexend" panose="020B0604020202020204"/>
               </a:rPr>
               <a:t>Python C interoperability</a:t>
             </a:r>
-            <a:endParaRPr lang="he-IL" dirty="0">
-              <a:latin typeface="+mn-lt"/>
+            <a:endParaRPr lang="he-IL" b="1" dirty="0">
+              <a:solidFill>
+                <a:srgbClr val="0071F6"/>
+              </a:solidFill>
+              <a:latin typeface="Lexend" panose="020B0604020202020204"/>
             </a:endParaRPr>
           </a:p>
         </p:txBody>
@@ -13574,6 +13951,7 @@
                   <a:srgbClr val="000000"/>
                 </a:solidFill>
                 <a:effectLst/>
+                <a:latin typeface="Lexend Light"/>
               </a:rPr>
               <a:t>There a various tools which make it easier to bridge the gap between Python and C/C++ </a:t>
             </a:r>
@@ -13586,6 +13964,7 @@
                   <a:srgbClr val="000000"/>
                 </a:solidFill>
                 <a:effectLst/>
+                <a:latin typeface="Lexend Light"/>
               </a:rPr>
               <a:t>Cython</a:t>
             </a:r>
@@ -13595,6 +13974,7 @@
                   <a:srgbClr val="000000"/>
                 </a:solidFill>
                 <a:effectLst/>
+                <a:latin typeface="Lexend Light"/>
               </a:rPr>
               <a:t> - programming language, a superset of Python with a foreign function interface for invoking C/C++ routines. It is actually a Python and C source code translator that integrates on a low level. </a:t>
             </a:r>
@@ -13607,6 +13987,7 @@
                   <a:srgbClr val="000000"/>
                 </a:solidFill>
                 <a:effectLst/>
+                <a:latin typeface="Lexend Light"/>
               </a:rPr>
               <a:t>ctypes</a:t>
             </a:r>
@@ -13616,6 +13997,7 @@
                   <a:srgbClr val="000000"/>
                 </a:solidFill>
                 <a:effectLst/>
+                <a:latin typeface="Lexend Light"/>
               </a:rPr>
               <a:t> is a Python module allowing to create and manipulate G data types in Python. These can then be passed to C-functions loaded from dynamic link libraries. </a:t>
             </a:r>
@@ -13628,6 +14010,7 @@
                   <a:srgbClr val="000000"/>
                 </a:solidFill>
                 <a:effectLst/>
+                <a:latin typeface="Lexend Light"/>
               </a:rPr>
               <a:t>elmer</a:t>
             </a:r>
@@ -13637,6 +14020,7 @@
                   <a:srgbClr val="000000"/>
                 </a:solidFill>
                 <a:effectLst/>
+                <a:latin typeface="Lexend Light"/>
               </a:rPr>
               <a:t> - compile and run python code from C, as if it was written in C</a:t>
             </a:r>
@@ -13649,6 +14033,7 @@
                   <a:srgbClr val="000000"/>
                 </a:solidFill>
                 <a:effectLst/>
+                <a:latin typeface="Lexend Light"/>
               </a:rPr>
               <a:t>weave</a:t>
             </a:r>
@@ -13658,6 +14043,7 @@
                   <a:srgbClr val="000000"/>
                 </a:solidFill>
                 <a:effectLst/>
+                <a:latin typeface="Lexend Light"/>
               </a:rPr>
               <a:t> - include C code lines in Python program </a:t>
             </a:r>
@@ -13670,6 +14056,7 @@
                   <a:srgbClr val="000000"/>
                 </a:solidFill>
                 <a:effectLst/>
+                <a:latin typeface="Lexend Light"/>
               </a:rPr>
               <a:t>etc</a:t>
             </a:r>
@@ -13678,6 +14065,7 @@
                 <a:srgbClr val="000000"/>
               </a:solidFill>
               <a:effectLst/>
+              <a:latin typeface="Lexend Light"/>
             </a:endParaRPr>
           </a:p>
         </p:txBody>
@@ -13730,27 +14118,30 @@
           <a:lstStyle/>
           <a:p>
             <a:r>
-              <a:rPr lang="en-US" b="0" i="0" dirty="0" err="1">
-                <a:solidFill>
-                  <a:srgbClr val="000000"/>
-                </a:solidFill>
-                <a:effectLst/>
-                <a:latin typeface="+mn-lt"/>
+              <a:rPr lang="en-US" b="1" i="0" dirty="0" err="1">
+                <a:solidFill>
+                  <a:srgbClr val="0071F6"/>
+                </a:solidFill>
+                <a:effectLst/>
+                <a:latin typeface="Lexend" panose="020B0604020202020204"/>
               </a:rPr>
               <a:t>ctypes</a:t>
             </a:r>
             <a:r>
-              <a:rPr lang="en-US" b="0" i="0" dirty="0">
-                <a:solidFill>
-                  <a:srgbClr val="000000"/>
-                </a:solidFill>
-                <a:effectLst/>
-                <a:latin typeface="+mn-lt"/>
+              <a:rPr lang="en-US" b="1" i="0" dirty="0">
+                <a:solidFill>
+                  <a:srgbClr val="0071F6"/>
+                </a:solidFill>
+                <a:effectLst/>
+                <a:latin typeface="Lexend" panose="020B0604020202020204"/>
               </a:rPr>
               <a:t> introduction</a:t>
             </a:r>
-            <a:endParaRPr lang="he-IL" dirty="0">
-              <a:latin typeface="+mn-lt"/>
+            <a:endParaRPr lang="he-IL" b="1" dirty="0">
+              <a:solidFill>
+                <a:srgbClr val="0071F6"/>
+              </a:solidFill>
+              <a:latin typeface="Lexend" panose="020B0604020202020204"/>
             </a:endParaRPr>
           </a:p>
         </p:txBody>
@@ -13783,6 +14174,7 @@
                   <a:srgbClr val="000000"/>
                 </a:solidFill>
                 <a:effectLst/>
+                <a:latin typeface="Lexend Light"/>
               </a:rPr>
               <a:t>ctypes</a:t>
             </a:r>
@@ -13792,6 +14184,7 @@
                   <a:srgbClr val="000000"/>
                 </a:solidFill>
                 <a:effectLst/>
+                <a:latin typeface="Lexend Light"/>
               </a:rPr>
               <a:t> is a foreign function library for Python. </a:t>
             </a:r>
@@ -13803,6 +14196,7 @@
                   <a:srgbClr val="000000"/>
                 </a:solidFill>
                 <a:effectLst/>
+                <a:latin typeface="Lexend Light"/>
               </a:rPr>
               <a:t>It provides C compatible data types and allows calling functions in DLLs or shared libraries. </a:t>
             </a:r>
@@ -13814,6 +14208,7 @@
                   <a:srgbClr val="000000"/>
                 </a:solidFill>
                 <a:effectLst/>
+                <a:latin typeface="Lexend Light"/>
               </a:rPr>
               <a:t>ctypes</a:t>
             </a:r>
@@ -13823,6 +14218,7 @@
                   <a:srgbClr val="000000"/>
                 </a:solidFill>
                 <a:effectLst/>
+                <a:latin typeface="Lexend Light"/>
               </a:rPr>
               <a:t> exports the </a:t>
             </a:r>
@@ -13832,6 +14228,7 @@
                   <a:srgbClr val="000000"/>
                 </a:solidFill>
                 <a:effectLst/>
+                <a:latin typeface="Lexend Light"/>
               </a:rPr>
               <a:t>cdl</a:t>
             </a:r>
@@ -13841,6 +14238,7 @@
                   <a:srgbClr val="000000"/>
                 </a:solidFill>
                 <a:effectLst/>
+                <a:latin typeface="Lexend Light"/>
               </a:rPr>
               <a:t>/ class for loading dynamic link libraries.</a:t>
             </a:r>
@@ -13852,6 +14250,7 @@
                   <a:srgbClr val="000000"/>
                 </a:solidFill>
                 <a:effectLst/>
+                <a:latin typeface="Lexend Light"/>
               </a:rPr>
               <a:t>cdll</a:t>
             </a:r>
@@ -13861,6 +14260,7 @@
                   <a:srgbClr val="000000"/>
                 </a:solidFill>
                 <a:effectLst/>
+                <a:latin typeface="Lexend Light"/>
               </a:rPr>
               <a:t> loads libraries which export functions using the standard C </a:t>
             </a:r>
@@ -13870,6 +14270,7 @@
                   <a:srgbClr val="000000"/>
                 </a:solidFill>
                 <a:effectLst/>
+                <a:latin typeface="Lexend Light"/>
               </a:rPr>
               <a:t>decl</a:t>
             </a:r>
@@ -13879,6 +14280,7 @@
                   <a:srgbClr val="000000"/>
                 </a:solidFill>
                 <a:effectLst/>
+                <a:latin typeface="Lexend Light"/>
               </a:rPr>
               <a:t> calling convention </a:t>
             </a:r>
@@ -13890,6 +14292,7 @@
                   <a:srgbClr val="000000"/>
                 </a:solidFill>
                 <a:effectLst/>
+                <a:latin typeface="Lexend Light"/>
               </a:rPr>
               <a:t>The </a:t>
             </a:r>
@@ -13899,6 +14302,7 @@
                   <a:srgbClr val="000000"/>
                 </a:solidFill>
                 <a:effectLst/>
+                <a:latin typeface="Lexend Light"/>
               </a:rPr>
               <a:t>LoadLibrary</a:t>
             </a:r>
@@ -13908,6 +14312,7 @@
                   <a:srgbClr val="000000"/>
                 </a:solidFill>
                 <a:effectLst/>
+                <a:latin typeface="Lexend Light"/>
               </a:rPr>
               <a:t>()</a:t>
             </a:r>
@@ -13917,6 +14322,7 @@
                   <a:srgbClr val="000000"/>
                 </a:solidFill>
                 <a:effectLst/>
+                <a:latin typeface="Lexend Light"/>
               </a:rPr>
               <a:t> method used to load the </a:t>
             </a:r>
@@ -13926,6 +14332,7 @@
                   <a:srgbClr val="000000"/>
                 </a:solidFill>
                 <a:effectLst/>
+                <a:latin typeface="Lexend Light"/>
               </a:rPr>
               <a:t>dll</a:t>
             </a:r>
@@ -13935,6 +14342,7 @@
                   <a:srgbClr val="000000"/>
                 </a:solidFill>
                 <a:effectLst/>
+                <a:latin typeface="Lexend Light"/>
               </a:rPr>
               <a:t> </a:t>
             </a:r>
@@ -13946,6 +14354,7 @@
                   <a:srgbClr val="000000"/>
                 </a:solidFill>
                 <a:effectLst/>
+                <a:latin typeface="Lexend Light"/>
               </a:rPr>
               <a:t>Lets start with simple example</a:t>
             </a:r>
@@ -13953,6 +14362,7 @@
               <a:solidFill>
                 <a:srgbClr val="000000"/>
               </a:solidFill>
+              <a:latin typeface="Lexend Light"/>
             </a:endParaRPr>
           </a:p>
         </p:txBody>
@@ -13999,8 +14409,8 @@
         </p:nvSpPr>
         <p:spPr>
           <a:xfrm>
-            <a:off x="136237" y="291155"/>
-            <a:ext cx="10515600" cy="1325563"/>
+            <a:off x="861133" y="291155"/>
+            <a:ext cx="9790703" cy="1325563"/>
           </a:xfrm>
         </p:spPr>
         <p:txBody>
@@ -14010,17 +14420,20 @@
           <a:lstStyle/>
           <a:p>
             <a:r>
-              <a:rPr lang="en-US" b="0" i="0" dirty="0">
-                <a:solidFill>
-                  <a:srgbClr val="000000"/>
-                </a:solidFill>
-                <a:effectLst/>
-                <a:latin typeface="+mn-lt"/>
+              <a:rPr lang="en-US" b="1" i="0" dirty="0">
+                <a:solidFill>
+                  <a:srgbClr val="0071F6"/>
+                </a:solidFill>
+                <a:effectLst/>
+                <a:latin typeface="Lexend" panose="020B0604020202020204"/>
               </a:rPr>
               <a:t>C Test.dll Example</a:t>
             </a:r>
-            <a:endParaRPr lang="he-IL" dirty="0">
-              <a:latin typeface="+mn-lt"/>
+            <a:endParaRPr lang="he-IL" b="1" dirty="0">
+              <a:solidFill>
+                <a:srgbClr val="0071F6"/>
+              </a:solidFill>
+              <a:latin typeface="Lexend" panose="020B0604020202020204"/>
             </a:endParaRPr>
           </a:p>
         </p:txBody>
@@ -14039,8 +14452,8 @@
         </p:nvSpPr>
         <p:spPr>
           <a:xfrm>
-            <a:off x="136238" y="1616718"/>
-            <a:ext cx="11734029" cy="6063198"/>
+            <a:off x="861133" y="1616718"/>
+            <a:ext cx="9078782" cy="4524315"/>
           </a:xfrm>
           <a:prstGeom prst="rect">
             <a:avLst/>
@@ -14058,29 +14471,32 @@
               <a:buChar char="•"/>
             </a:pPr>
             <a:r>
-              <a:rPr lang="en-US" sz="2000" b="0" i="0" dirty="0">
-                <a:solidFill>
-                  <a:srgbClr val="000000"/>
-                </a:solidFill>
-                <a:effectLst/>
+              <a:rPr lang="en-US" b="0" i="0" dirty="0">
+                <a:solidFill>
+                  <a:srgbClr val="000000"/>
+                </a:solidFill>
+                <a:effectLst/>
+                <a:latin typeface="Lexend Light"/>
               </a:rPr>
               <a:t>First, lets create C simple </a:t>
             </a:r>
             <a:r>
-              <a:rPr lang="en-US" sz="2000" b="0" i="0" dirty="0" err="1">
-                <a:solidFill>
-                  <a:srgbClr val="000000"/>
-                </a:solidFill>
-                <a:effectLst/>
+              <a:rPr lang="en-US" b="0" i="0" dirty="0" err="1">
+                <a:solidFill>
+                  <a:srgbClr val="000000"/>
+                </a:solidFill>
+                <a:effectLst/>
+                <a:latin typeface="Lexend Light"/>
               </a:rPr>
               <a:t>dll</a:t>
             </a:r>
             <a:r>
-              <a:rPr lang="en-US" sz="2000" b="0" i="0" dirty="0">
-                <a:solidFill>
-                  <a:srgbClr val="000000"/>
-                </a:solidFill>
-                <a:effectLst/>
+              <a:rPr lang="en-US" b="0" i="0" dirty="0">
+                <a:solidFill>
+                  <a:srgbClr val="000000"/>
+                </a:solidFill>
+                <a:effectLst/>
+                <a:latin typeface="Lexend Light"/>
               </a:rPr>
               <a:t> named Test </a:t>
             </a:r>
@@ -14088,11 +14504,12 @@
           <a:p>
             <a:pPr lvl="1"/>
             <a:r>
-              <a:rPr lang="en-US" sz="2000" b="0" i="0" dirty="0">
-                <a:solidFill>
-                  <a:srgbClr val="000000"/>
-                </a:solidFill>
-                <a:effectLst/>
+              <a:rPr lang="en-US" b="0" i="0" dirty="0">
+                <a:solidFill>
+                  <a:srgbClr val="000000"/>
+                </a:solidFill>
+                <a:effectLst/>
+                <a:latin typeface="Lexend Light"/>
               </a:rPr>
               <a:t>— Win32-&gt;Win32 project </a:t>
             </a:r>
@@ -14100,40 +14517,44 @@
           <a:p>
             <a:pPr lvl="1"/>
             <a:r>
-              <a:rPr lang="en-US" sz="2000" b="0" i="0" dirty="0">
-                <a:solidFill>
-                  <a:srgbClr val="000000"/>
-                </a:solidFill>
-                <a:effectLst/>
+              <a:rPr lang="en-US" b="0" i="0" dirty="0">
+                <a:solidFill>
+                  <a:srgbClr val="000000"/>
+                </a:solidFill>
+                <a:effectLst/>
+                <a:latin typeface="Lexend Light"/>
               </a:rPr>
               <a:t>— Pick </a:t>
             </a:r>
             <a:r>
-              <a:rPr lang="en-US" sz="2000" b="0" i="0" dirty="0" err="1">
-                <a:solidFill>
-                  <a:srgbClr val="000000"/>
-                </a:solidFill>
-                <a:effectLst/>
+              <a:rPr lang="en-US" b="0" i="0" dirty="0" err="1">
+                <a:solidFill>
+                  <a:srgbClr val="000000"/>
+                </a:solidFill>
+                <a:effectLst/>
+                <a:latin typeface="Lexend Light"/>
               </a:rPr>
               <a:t>dll</a:t>
             </a:r>
             <a:r>
-              <a:rPr lang="en-US" sz="2000" b="0" i="0" dirty="0">
-                <a:solidFill>
-                  <a:srgbClr val="000000"/>
-                </a:solidFill>
-                <a:effectLst/>
+              <a:rPr lang="en-US" b="0" i="0" dirty="0">
+                <a:solidFill>
+                  <a:srgbClr val="000000"/>
+                </a:solidFill>
+                <a:effectLst/>
+                <a:latin typeface="Lexend Light"/>
               </a:rPr>
               <a:t> type, choose Empty project </a:t>
             </a:r>
           </a:p>
           <a:p>
             <a:pPr lvl="1"/>
-            <a:endParaRPr lang="en-US" sz="2000" b="0" i="0" dirty="0">
+            <a:endParaRPr lang="en-US" b="0" i="0" dirty="0">
               <a:solidFill>
                 <a:srgbClr val="000000"/>
               </a:solidFill>
               <a:effectLst/>
+              <a:latin typeface="Lexend Light"/>
             </a:endParaRPr>
           </a:p>
           <a:p>
@@ -14142,11 +14563,12 @@
               <a:buChar char="•"/>
             </a:pPr>
             <a:r>
-              <a:rPr lang="en-US" sz="2000" b="0" i="0" dirty="0">
-                <a:solidFill>
-                  <a:srgbClr val="000000"/>
-                </a:solidFill>
-                <a:effectLst/>
+              <a:rPr lang="en-US" b="0" i="0" dirty="0">
+                <a:solidFill>
+                  <a:srgbClr val="000000"/>
+                </a:solidFill>
+                <a:effectLst/>
+                <a:latin typeface="Lexend Light"/>
               </a:rPr>
               <a:t>Lets write some code </a:t>
             </a:r>
@@ -14156,57 +14578,63 @@
               <a:buFont typeface="Arial" panose="020B0604020202020204" pitchFamily="34" charset="0"/>
               <a:buChar char="•"/>
             </a:pPr>
-            <a:endParaRPr lang="en-US" sz="2000" b="0" i="0" dirty="0">
+            <a:endParaRPr lang="en-US" b="0" i="0" dirty="0">
               <a:solidFill>
                 <a:srgbClr val="000000"/>
               </a:solidFill>
               <a:effectLst/>
+              <a:latin typeface="Lexend Light"/>
             </a:endParaRPr>
           </a:p>
           <a:p>
             <a:r>
-              <a:rPr lang="en-US" sz="2000" b="0" i="0" dirty="0">
-                <a:solidFill>
-                  <a:srgbClr val="000000"/>
-                </a:solidFill>
-                <a:effectLst/>
+              <a:rPr lang="en-US" b="0" i="0" dirty="0">
+                <a:solidFill>
+                  <a:srgbClr val="000000"/>
+                </a:solidFill>
+                <a:effectLst/>
+                <a:latin typeface="Lexend Light"/>
               </a:rPr>
               <a:t>#include &lt;</a:t>
             </a:r>
             <a:r>
-              <a:rPr lang="en-US" sz="2000" b="0" i="0" dirty="0" err="1">
-                <a:solidFill>
-                  <a:srgbClr val="000000"/>
-                </a:solidFill>
-                <a:effectLst/>
+              <a:rPr lang="en-US" b="0" i="0" dirty="0" err="1">
+                <a:solidFill>
+                  <a:srgbClr val="000000"/>
+                </a:solidFill>
+                <a:effectLst/>
+                <a:latin typeface="Lexend Light"/>
               </a:rPr>
               <a:t>stdio.h</a:t>
             </a:r>
             <a:r>
-              <a:rPr lang="en-US" sz="2000" b="0" i="0" dirty="0">
-                <a:solidFill>
-                  <a:srgbClr val="000000"/>
-                </a:solidFill>
-                <a:effectLst/>
+              <a:rPr lang="en-US" b="0" i="0" dirty="0">
+                <a:solidFill>
+                  <a:srgbClr val="000000"/>
+                </a:solidFill>
+                <a:effectLst/>
+                <a:latin typeface="Lexend Light"/>
               </a:rPr>
               <a:t>&gt; </a:t>
             </a:r>
           </a:p>
           <a:p>
-            <a:endParaRPr lang="en-US" sz="2000" b="0" i="0" dirty="0">
+            <a:endParaRPr lang="en-US" b="0" i="0" dirty="0">
               <a:solidFill>
                 <a:srgbClr val="000000"/>
               </a:solidFill>
               <a:effectLst/>
+              <a:latin typeface="Lexend Light"/>
             </a:endParaRPr>
           </a:p>
           <a:p>
             <a:r>
-              <a:rPr lang="en-US" sz="2000" b="0" i="0" dirty="0">
-                <a:solidFill>
-                  <a:srgbClr val="000000"/>
-                </a:solidFill>
-                <a:effectLst/>
+              <a:rPr lang="en-US" b="0" i="0" dirty="0">
+                <a:solidFill>
+                  <a:srgbClr val="000000"/>
+                </a:solidFill>
+                <a:effectLst/>
+                <a:latin typeface="Lexend Light"/>
               </a:rPr>
               <a:t>extern "C" { </a:t>
             </a:r>
@@ -14214,47 +14642,52 @@
           <a:p>
             <a:pPr lvl="1"/>
             <a:r>
-              <a:rPr lang="en-US" sz="2000" b="0" i="0" dirty="0">
-                <a:solidFill>
-                  <a:srgbClr val="000000"/>
-                </a:solidFill>
-                <a:effectLst/>
+              <a:rPr lang="en-US" b="0" i="0" dirty="0">
+                <a:solidFill>
+                  <a:srgbClr val="000000"/>
+                </a:solidFill>
+                <a:effectLst/>
+                <a:latin typeface="Lexend Light"/>
               </a:rPr>
               <a:t>__</a:t>
             </a:r>
             <a:r>
-              <a:rPr lang="en-US" sz="2000" b="0" i="0" dirty="0" err="1">
-                <a:solidFill>
-                  <a:srgbClr val="000000"/>
-                </a:solidFill>
-                <a:effectLst/>
+              <a:rPr lang="en-US" b="0" i="0" dirty="0" err="1">
+                <a:solidFill>
+                  <a:srgbClr val="000000"/>
+                </a:solidFill>
+                <a:effectLst/>
+                <a:latin typeface="Lexend Light"/>
               </a:rPr>
               <a:t>declspec</a:t>
             </a:r>
             <a:r>
-              <a:rPr lang="en-US" sz="2000" b="0" i="0" dirty="0">
-                <a:solidFill>
-                  <a:srgbClr val="000000"/>
-                </a:solidFill>
-                <a:effectLst/>
+              <a:rPr lang="en-US" b="0" i="0" dirty="0">
+                <a:solidFill>
+                  <a:srgbClr val="000000"/>
+                </a:solidFill>
+                <a:effectLst/>
+                <a:latin typeface="Lexend Light"/>
               </a:rPr>
               <a:t>(</a:t>
             </a:r>
             <a:r>
-              <a:rPr lang="en-US" sz="2000" b="0" i="0" dirty="0" err="1">
-                <a:solidFill>
-                  <a:srgbClr val="000000"/>
-                </a:solidFill>
-                <a:effectLst/>
+              <a:rPr lang="en-US" b="0" i="0" dirty="0" err="1">
+                <a:solidFill>
+                  <a:srgbClr val="000000"/>
+                </a:solidFill>
+                <a:effectLst/>
+                <a:latin typeface="Lexend Light"/>
               </a:rPr>
               <a:t>dllexport</a:t>
             </a:r>
             <a:r>
-              <a:rPr lang="en-US" sz="2000" b="0" i="0" dirty="0">
-                <a:solidFill>
-                  <a:srgbClr val="000000"/>
-                </a:solidFill>
-                <a:effectLst/>
+              <a:rPr lang="en-US" b="0" i="0" dirty="0">
+                <a:solidFill>
+                  <a:srgbClr val="000000"/>
+                </a:solidFill>
+                <a:effectLst/>
+                <a:latin typeface="Lexend Light"/>
               </a:rPr>
               <a:t>) void Print() { </a:t>
             </a:r>
@@ -14262,94 +14695,104 @@
           <a:p>
             <a:pPr lvl="1"/>
             <a:r>
-              <a:rPr lang="en-US" sz="2000" b="0" i="0" dirty="0" err="1">
-                <a:solidFill>
-                  <a:srgbClr val="000000"/>
-                </a:solidFill>
-                <a:effectLst/>
+              <a:rPr lang="en-US" b="0" i="0" dirty="0" err="1">
+                <a:solidFill>
+                  <a:srgbClr val="000000"/>
+                </a:solidFill>
+                <a:effectLst/>
+                <a:latin typeface="Lexend Light"/>
               </a:rPr>
               <a:t>printf</a:t>
             </a:r>
             <a:r>
-              <a:rPr lang="en-US" sz="2000" b="0" i="0" dirty="0">
-                <a:solidFill>
-                  <a:srgbClr val="000000"/>
-                </a:solidFill>
-                <a:effectLst/>
+              <a:rPr lang="en-US" b="0" i="0" dirty="0">
+                <a:solidFill>
+                  <a:srgbClr val="000000"/>
+                </a:solidFill>
+                <a:effectLst/>
+                <a:latin typeface="Lexend Light"/>
               </a:rPr>
               <a:t>("</a:t>
             </a:r>
             <a:r>
-              <a:rPr lang="en-US" sz="2000" b="0" i="0" dirty="0" err="1">
-                <a:solidFill>
-                  <a:srgbClr val="000000"/>
-                </a:solidFill>
-                <a:effectLst/>
+              <a:rPr lang="en-US" b="0" i="0" dirty="0" err="1">
+                <a:solidFill>
+                  <a:srgbClr val="000000"/>
+                </a:solidFill>
+                <a:effectLst/>
+                <a:latin typeface="Lexend Light"/>
               </a:rPr>
               <a:t>declspecl</a:t>
             </a:r>
             <a:r>
-              <a:rPr lang="en-US" sz="2000" b="0" i="0" dirty="0">
-                <a:solidFill>
-                  <a:srgbClr val="000000"/>
-                </a:solidFill>
-                <a:effectLst/>
+              <a:rPr lang="en-US" b="0" i="0" dirty="0">
+                <a:solidFill>
+                  <a:srgbClr val="000000"/>
+                </a:solidFill>
+                <a:effectLst/>
+                <a:latin typeface="Lexend Light"/>
               </a:rPr>
               <a:t> say hello"); } </a:t>
             </a:r>
           </a:p>
           <a:p>
             <a:pPr lvl="1"/>
-            <a:endParaRPr lang="en-US" sz="2000" dirty="0">
+            <a:endParaRPr lang="en-US" dirty="0">
               <a:solidFill>
                 <a:srgbClr val="000000"/>
               </a:solidFill>
+              <a:latin typeface="Lexend Light"/>
             </a:endParaRPr>
           </a:p>
           <a:p>
             <a:pPr lvl="1"/>
             <a:r>
-              <a:rPr lang="en-US" sz="2000" b="0" i="0" dirty="0">
-                <a:solidFill>
-                  <a:srgbClr val="000000"/>
-                </a:solidFill>
-                <a:effectLst/>
+              <a:rPr lang="en-US" b="0" i="0" dirty="0">
+                <a:solidFill>
+                  <a:srgbClr val="000000"/>
+                </a:solidFill>
+                <a:effectLst/>
+                <a:latin typeface="Lexend Light"/>
               </a:rPr>
               <a:t>__</a:t>
             </a:r>
             <a:r>
-              <a:rPr lang="en-US" sz="2000" b="0" i="0" dirty="0" err="1">
-                <a:solidFill>
-                  <a:srgbClr val="000000"/>
-                </a:solidFill>
-                <a:effectLst/>
+              <a:rPr lang="en-US" b="0" i="0" dirty="0" err="1">
+                <a:solidFill>
+                  <a:srgbClr val="000000"/>
+                </a:solidFill>
+                <a:effectLst/>
+                <a:latin typeface="Lexend Light"/>
               </a:rPr>
               <a:t>declspec</a:t>
             </a:r>
             <a:r>
-              <a:rPr lang="en-US" sz="2000" b="0" i="0" dirty="0">
-                <a:solidFill>
-                  <a:srgbClr val="000000"/>
-                </a:solidFill>
-                <a:effectLst/>
+              <a:rPr lang="en-US" b="0" i="0" dirty="0">
+                <a:solidFill>
+                  <a:srgbClr val="000000"/>
+                </a:solidFill>
+                <a:effectLst/>
+                <a:latin typeface="Lexend Light"/>
               </a:rPr>
               <a:t>(</a:t>
             </a:r>
             <a:r>
-              <a:rPr lang="en-US" sz="2000" b="0" i="0" dirty="0" err="1">
-                <a:solidFill>
-                  <a:srgbClr val="000000"/>
-                </a:solidFill>
-                <a:effectLst/>
+              <a:rPr lang="en-US" b="0" i="0" dirty="0" err="1">
+                <a:solidFill>
+                  <a:srgbClr val="000000"/>
+                </a:solidFill>
+                <a:effectLst/>
+                <a:latin typeface="Lexend Light"/>
               </a:rPr>
               <a:t>dllexport</a:t>
             </a:r>
             <a:r>
-              <a:rPr lang="en-US" sz="2000" b="0" i="0" dirty="0">
-                <a:solidFill>
-                  <a:srgbClr val="000000"/>
-                </a:solidFill>
-                <a:effectLst/>
+              <a:rPr lang="en-US" b="0" i="0" dirty="0">
+                <a:solidFill>
+                  <a:srgbClr val="000000"/>
+                </a:solidFill>
+                <a:effectLst/>
+                <a:latin typeface="Lexend Light"/>
               </a:rPr>
               <a:t>) int Add(int a, int b) {</a:t>
             </a:r>
@@ -14357,54 +14800,51 @@
           <a:p>
             <a:pPr lvl="1"/>
             <a:r>
-              <a:rPr lang="en-US" sz="2000" b="0" i="0" dirty="0">
-                <a:solidFill>
-                  <a:srgbClr val="000000"/>
-                </a:solidFill>
-                <a:effectLst/>
+              <a:rPr lang="en-US" b="0" i="0" dirty="0">
+                <a:solidFill>
+                  <a:srgbClr val="000000"/>
+                </a:solidFill>
+                <a:effectLst/>
+                <a:latin typeface="Lexend Light"/>
               </a:rPr>
               <a:t> return </a:t>
             </a:r>
             <a:r>
-              <a:rPr lang="en-US" sz="2000" b="0" i="0" dirty="0" err="1">
-                <a:solidFill>
-                  <a:srgbClr val="000000"/>
-                </a:solidFill>
-                <a:effectLst/>
+              <a:rPr lang="en-US" b="0" i="0" dirty="0" err="1">
+                <a:solidFill>
+                  <a:srgbClr val="000000"/>
+                </a:solidFill>
+                <a:effectLst/>
+                <a:latin typeface="Lexend Light"/>
               </a:rPr>
               <a:t>a+b</a:t>
             </a:r>
             <a:r>
-              <a:rPr lang="en-US" sz="2000" b="0" i="0" dirty="0">
-                <a:solidFill>
-                  <a:srgbClr val="000000"/>
-                </a:solidFill>
-                <a:effectLst/>
+              <a:rPr lang="en-US" b="0" i="0" dirty="0">
+                <a:solidFill>
+                  <a:srgbClr val="000000"/>
+                </a:solidFill>
+                <a:effectLst/>
+                <a:latin typeface="Lexend Light"/>
               </a:rPr>
               <a:t>; 	}</a:t>
             </a:r>
-            <a:endParaRPr lang="en-US" dirty="0"/>
-          </a:p>
-          <a:p>
-            <a:endParaRPr lang="en-US" dirty="0"/>
-          </a:p>
-          <a:p>
-            <a:r>
-              <a:rPr lang="en-US" dirty="0"/>
+            <a:endParaRPr lang="en-US" sz="1600" dirty="0">
+              <a:latin typeface="Lexend Light"/>
+            </a:endParaRPr>
+          </a:p>
+          <a:p>
+            <a:endParaRPr lang="en-US" sz="1600" dirty="0">
+              <a:latin typeface="Lexend Light"/>
+            </a:endParaRPr>
+          </a:p>
+          <a:p>
+            <a:r>
+              <a:rPr lang="en-US" sz="1600" dirty="0">
+                <a:latin typeface="Lexend Light"/>
+              </a:rPr>
               <a:t>}</a:t>
             </a:r>
-          </a:p>
-          <a:p>
-            <a:endParaRPr lang="en-US" dirty="0"/>
-          </a:p>
-          <a:p>
-            <a:endParaRPr lang="en-US" dirty="0"/>
-          </a:p>
-          <a:p>
-            <a:endParaRPr lang="en-US" dirty="0"/>
-          </a:p>
-          <a:p>
-            <a:endParaRPr lang="he-IL" dirty="0"/>
           </a:p>
         </p:txBody>
       </p:sp>
@@ -14456,8 +14896,8 @@
         </p:nvSpPr>
         <p:spPr>
           <a:xfrm>
-            <a:off x="730486" y="15276"/>
-            <a:ext cx="10515600" cy="1325563"/>
+            <a:off x="730486" y="408373"/>
+            <a:ext cx="10515600" cy="932466"/>
           </a:xfrm>
         </p:spPr>
         <p:txBody>
@@ -14465,17 +14905,20 @@
           <a:lstStyle/>
           <a:p>
             <a:r>
-              <a:rPr lang="en-US" b="0" i="0" dirty="0">
-                <a:solidFill>
-                  <a:srgbClr val="000000"/>
-                </a:solidFill>
-                <a:effectLst/>
-                <a:latin typeface="+mn-lt"/>
+              <a:rPr lang="en-US" b="1" i="0" dirty="0">
+                <a:solidFill>
+                  <a:srgbClr val="0071F6"/>
+                </a:solidFill>
+                <a:effectLst/>
+                <a:latin typeface="Lexend" panose="020B0604020202020204"/>
               </a:rPr>
               <a:t>Python code Example</a:t>
             </a:r>
-            <a:endParaRPr lang="he-IL" dirty="0">
-              <a:latin typeface="+mn-lt"/>
+            <a:endParaRPr lang="he-IL" b="1" dirty="0">
+              <a:solidFill>
+                <a:srgbClr val="0071F6"/>
+              </a:solidFill>
+              <a:latin typeface="Lexend" panose="020B0604020202020204"/>
               <a:cs typeface="Calibri" panose="020F0502020204030204" pitchFamily="34" charset="0"/>
             </a:endParaRPr>
           </a:p>
@@ -14515,6 +14958,7 @@
                   <a:srgbClr val="000000"/>
                 </a:solidFill>
                 <a:effectLst/>
+                <a:latin typeface="Lexend Light"/>
               </a:rPr>
               <a:t>First step for interoperability is to load </a:t>
             </a:r>
@@ -14524,6 +14968,7 @@
                   <a:srgbClr val="000000"/>
                 </a:solidFill>
                 <a:effectLst/>
+                <a:latin typeface="Lexend Light"/>
               </a:rPr>
               <a:t>dll</a:t>
             </a:r>
@@ -14533,6 +14978,7 @@
                   <a:srgbClr val="000000"/>
                 </a:solidFill>
                 <a:effectLst/>
+                <a:latin typeface="Lexend Light"/>
               </a:rPr>
               <a:t> library. </a:t>
             </a:r>
@@ -14544,6 +14990,7 @@
                   <a:srgbClr val="000000"/>
                 </a:solidFill>
                 <a:effectLst/>
+                <a:latin typeface="Lexend Light"/>
               </a:rPr>
               <a:t>Python loads C </a:t>
             </a:r>
@@ -14553,6 +15000,7 @@
                   <a:srgbClr val="000000"/>
                 </a:solidFill>
                 <a:effectLst/>
+                <a:latin typeface="Lexend Light"/>
               </a:rPr>
               <a:t>dlls</a:t>
             </a:r>
@@ -14562,6 +15010,7 @@
                   <a:srgbClr val="000000"/>
                 </a:solidFill>
                 <a:effectLst/>
+                <a:latin typeface="Lexend Light"/>
               </a:rPr>
               <a:t> with </a:t>
             </a:r>
@@ -14571,6 +15020,7 @@
                   <a:srgbClr val="000000"/>
                 </a:solidFill>
                 <a:effectLst/>
+                <a:latin typeface="Lexend Light"/>
               </a:rPr>
               <a:t>LoadLibrary</a:t>
             </a:r>
@@ -14580,6 +15030,7 @@
                   <a:srgbClr val="000000"/>
                 </a:solidFill>
                 <a:effectLst/>
+                <a:latin typeface="Lexend Light"/>
               </a:rPr>
               <a:t> function placed in </a:t>
             </a:r>
@@ -14589,6 +15040,7 @@
                   <a:srgbClr val="000000"/>
                 </a:solidFill>
                 <a:effectLst/>
+                <a:latin typeface="Lexend Light"/>
               </a:rPr>
               <a:t>cdll</a:t>
             </a:r>
@@ -14598,6 +15050,7 @@
                   <a:srgbClr val="000000"/>
                 </a:solidFill>
                 <a:effectLst/>
+                <a:latin typeface="Lexend Light"/>
               </a:rPr>
               <a:t> </a:t>
             </a:r>
@@ -14609,6 +15062,7 @@
                   <a:srgbClr val="000000"/>
                 </a:solidFill>
                 <a:effectLst/>
+                <a:latin typeface="Lexend Light"/>
               </a:rPr>
               <a:t>LoadLibrary</a:t>
             </a:r>
@@ -14618,6 +15072,7 @@
                   <a:srgbClr val="000000"/>
                 </a:solidFill>
                 <a:effectLst/>
+                <a:latin typeface="Lexend Light"/>
               </a:rPr>
               <a:t>(</a:t>
             </a:r>
@@ -14627,6 +15082,7 @@
                   <a:srgbClr val="000000"/>
                 </a:solidFill>
                 <a:effectLst/>
+                <a:latin typeface="Lexend Light"/>
               </a:rPr>
               <a:t>dll</a:t>
             </a:r>
@@ -14636,6 +15092,7 @@
                   <a:srgbClr val="000000"/>
                 </a:solidFill>
                 <a:effectLst/>
+                <a:latin typeface="Lexend Light"/>
               </a:rPr>
               <a:t> path) -&gt; loaded </a:t>
             </a:r>
@@ -14645,6 +15102,7 @@
                   <a:srgbClr val="000000"/>
                 </a:solidFill>
                 <a:effectLst/>
+                <a:latin typeface="Lexend Light"/>
               </a:rPr>
               <a:t>dll</a:t>
             </a:r>
@@ -14654,6 +15112,7 @@
                   <a:srgbClr val="000000"/>
                 </a:solidFill>
                 <a:effectLst/>
+                <a:latin typeface="Lexend Light"/>
               </a:rPr>
               <a:t> object </a:t>
             </a:r>
@@ -14668,6 +15127,7 @@
                   <a:srgbClr val="000000"/>
                 </a:solidFill>
                 <a:effectLst/>
+                <a:latin typeface="Lexend Light"/>
               </a:rPr>
               <a:t>— </a:t>
             </a:r>
@@ -14677,6 +15137,7 @@
                   <a:srgbClr val="000000"/>
                 </a:solidFill>
                 <a:effectLst/>
+                <a:latin typeface="Lexend Light"/>
               </a:rPr>
               <a:t>dll</a:t>
             </a:r>
@@ -14686,6 +15147,7 @@
                   <a:srgbClr val="000000"/>
                 </a:solidFill>
                 <a:effectLst/>
+                <a:latin typeface="Lexend Light"/>
               </a:rPr>
               <a:t> path </a:t>
             </a:r>
@@ -14695,6 +15157,7 @@
                   <a:srgbClr val="000000"/>
                 </a:solidFill>
                 <a:effectLst/>
+                <a:latin typeface="Lexend Light"/>
               </a:rPr>
               <a:t>doen’t</a:t>
             </a:r>
@@ -14704,6 +15167,7 @@
                   <a:srgbClr val="000000"/>
                 </a:solidFill>
                 <a:effectLst/>
+                <a:latin typeface="Lexend Light"/>
               </a:rPr>
               <a:t> have to have .</a:t>
             </a:r>
@@ -14713,6 +15177,7 @@
                   <a:srgbClr val="000000"/>
                 </a:solidFill>
                 <a:effectLst/>
+                <a:latin typeface="Lexend Light"/>
               </a:rPr>
               <a:t>dll</a:t>
             </a:r>
@@ -14722,6 +15187,7 @@
                   <a:srgbClr val="000000"/>
                 </a:solidFill>
                 <a:effectLst/>
+                <a:latin typeface="Lexend Light"/>
               </a:rPr>
               <a:t> </a:t>
             </a:r>
@@ -14731,6 +15197,7 @@
                   <a:srgbClr val="000000"/>
                 </a:solidFill>
                 <a:effectLst/>
+                <a:latin typeface="Lexend Light"/>
               </a:rPr>
               <a:t>exctension</a:t>
             </a:r>
@@ -14739,6 +15206,7 @@
                 <a:srgbClr val="000000"/>
               </a:solidFill>
               <a:effectLst/>
+              <a:latin typeface="Lexend Light"/>
             </a:endParaRPr>
           </a:p>
           <a:p>
@@ -14748,6 +15216,7 @@
                   <a:srgbClr val="000000"/>
                 </a:solidFill>
                 <a:effectLst/>
+                <a:latin typeface="Lexend Light"/>
               </a:rPr>
               <a:t> Loaded </a:t>
             </a:r>
@@ -14757,6 +15226,7 @@
                   <a:srgbClr val="000000"/>
                 </a:solidFill>
                 <a:effectLst/>
+                <a:latin typeface="Lexend Light"/>
               </a:rPr>
               <a:t>dll</a:t>
             </a:r>
@@ -14766,6 +15236,7 @@
                   <a:srgbClr val="000000"/>
                 </a:solidFill>
                 <a:effectLst/>
+                <a:latin typeface="Lexend Light"/>
               </a:rPr>
               <a:t> object now has access to </a:t>
             </a:r>
@@ -14775,6 +15246,7 @@
                   <a:srgbClr val="000000"/>
                 </a:solidFill>
                 <a:effectLst/>
+                <a:latin typeface="Lexend Light"/>
               </a:rPr>
               <a:t>dll’s</a:t>
             </a:r>
@@ -14784,6 +15256,7 @@
                   <a:srgbClr val="000000"/>
                 </a:solidFill>
                 <a:effectLst/>
+                <a:latin typeface="Lexend Light"/>
               </a:rPr>
               <a:t> functions </a:t>
             </a:r>
@@ -14794,6 +15267,7 @@
                 <a:srgbClr val="000000"/>
               </a:solidFill>
               <a:effectLst/>
+              <a:latin typeface="Lexend Light"/>
             </a:endParaRPr>
           </a:p>
         </p:txBody>
@@ -15234,7 +15708,12 @@
             <p:ph type="title"/>
           </p:nvPr>
         </p:nvSpPr>
-        <p:spPr/>
+        <p:spPr>
+          <a:xfrm>
+            <a:off x="838200" y="533802"/>
+            <a:ext cx="10515600" cy="833360"/>
+          </a:xfrm>
+        </p:spPr>
         <p:txBody>
           <a:bodyPr>
             <a:normAutofit/>
@@ -15242,27 +15721,30 @@
           <a:lstStyle/>
           <a:p>
             <a:r>
-              <a:rPr lang="en-US" b="0" i="0" dirty="0" err="1">
-                <a:solidFill>
-                  <a:srgbClr val="000000"/>
-                </a:solidFill>
-                <a:effectLst/>
-                <a:latin typeface="+mn-lt"/>
+              <a:rPr lang="en-US" b="1" i="0" dirty="0" err="1">
+                <a:solidFill>
+                  <a:srgbClr val="0071F6"/>
+                </a:solidFill>
+                <a:effectLst/>
+                <a:latin typeface="Lexend" panose="020B0604020202020204"/>
               </a:rPr>
               <a:t>ctype</a:t>
             </a:r>
             <a:r>
-              <a:rPr lang="en-US" b="0" i="0" dirty="0">
-                <a:solidFill>
-                  <a:srgbClr val="000000"/>
-                </a:solidFill>
-                <a:effectLst/>
-                <a:latin typeface="+mn-lt"/>
+              <a:rPr lang="en-US" b="1" i="0" dirty="0">
+                <a:solidFill>
+                  <a:srgbClr val="0071F6"/>
+                </a:solidFill>
+                <a:effectLst/>
+                <a:latin typeface="Lexend" panose="020B0604020202020204"/>
               </a:rPr>
               <a:t> types</a:t>
             </a:r>
-            <a:endParaRPr lang="en-US" dirty="0">
-              <a:latin typeface="+mn-lt"/>
+            <a:endParaRPr lang="en-US" b="1" dirty="0">
+              <a:solidFill>
+                <a:srgbClr val="0071F6"/>
+              </a:solidFill>
+              <a:latin typeface="Lexend" panose="020B0604020202020204"/>
             </a:endParaRPr>
           </a:p>
         </p:txBody>
@@ -15290,6 +15772,7 @@
                   <a:srgbClr val="000000"/>
                 </a:solidFill>
                 <a:effectLst/>
+                <a:latin typeface="Lexend Light"/>
               </a:rPr>
               <a:t>int is the default parameter type or return value type and the only type python can work with without casting </a:t>
             </a:r>
@@ -15301,6 +15784,7 @@
                   <a:srgbClr val="000000"/>
                 </a:solidFill>
                 <a:effectLst/>
+                <a:latin typeface="Lexend Light"/>
               </a:rPr>
               <a:t>Lets see C </a:t>
             </a:r>
@@ -15310,6 +15794,7 @@
                   <a:srgbClr val="000000"/>
                 </a:solidFill>
                 <a:effectLst/>
+                <a:latin typeface="Lexend Light"/>
               </a:rPr>
               <a:t>dll</a:t>
             </a:r>
@@ -15319,6 +15804,7 @@
                   <a:srgbClr val="000000"/>
                 </a:solidFill>
                 <a:effectLst/>
+                <a:latin typeface="Lexend Light"/>
               </a:rPr>
               <a:t> function simple example: __</a:t>
             </a:r>
@@ -15328,6 +15814,7 @@
                   <a:srgbClr val="000000"/>
                 </a:solidFill>
                 <a:effectLst/>
+                <a:latin typeface="Lexend Light"/>
               </a:rPr>
               <a:t>declspec</a:t>
             </a:r>
@@ -15337,6 +15824,7 @@
                   <a:srgbClr val="000000"/>
                 </a:solidFill>
                 <a:effectLst/>
+                <a:latin typeface="Lexend Light"/>
               </a:rPr>
               <a:t>(</a:t>
             </a:r>
@@ -15346,6 +15834,7 @@
                   <a:srgbClr val="000000"/>
                 </a:solidFill>
                 <a:effectLst/>
+                <a:latin typeface="Lexend Light"/>
               </a:rPr>
               <a:t>dllexport</a:t>
             </a:r>
@@ -15355,6 +15844,7 @@
                   <a:srgbClr val="000000"/>
                 </a:solidFill>
                 <a:effectLst/>
+                <a:latin typeface="Lexend Light"/>
               </a:rPr>
               <a:t>) double </a:t>
             </a:r>
@@ -15364,6 +15854,7 @@
                   <a:srgbClr val="000000"/>
                 </a:solidFill>
                 <a:effectLst/>
+                <a:latin typeface="Lexend Light"/>
               </a:rPr>
               <a:t>double_func</a:t>
             </a:r>
@@ -15373,6 +15864,7 @@
                   <a:srgbClr val="000000"/>
                 </a:solidFill>
                 <a:effectLst/>
+                <a:latin typeface="Lexend Light"/>
               </a:rPr>
               <a:t>(double d)</a:t>
             </a:r>
@@ -15383,6 +15875,7 @@
                 <a:srgbClr val="000000"/>
               </a:solidFill>
               <a:effectLst/>
+              <a:latin typeface="Lexend Light"/>
             </a:endParaRPr>
           </a:p>
           <a:p>
@@ -15394,6 +15887,7 @@
                 <a:solidFill>
                   <a:srgbClr val="000000"/>
                 </a:solidFill>
+                <a:latin typeface="Lexend Light"/>
               </a:rPr>
               <a:t>{</a:t>
             </a:r>
@@ -15403,6 +15897,7 @@
                   <a:srgbClr val="000000"/>
                 </a:solidFill>
                 <a:effectLst/>
+                <a:latin typeface="Lexend Light"/>
               </a:rPr>
               <a:t> </a:t>
             </a:r>
@@ -15417,6 +15912,7 @@
                   <a:srgbClr val="000000"/>
                 </a:solidFill>
                 <a:effectLst/>
+                <a:latin typeface="Lexend Light"/>
               </a:rPr>
               <a:t>return ++d; </a:t>
             </a:r>
@@ -15431,6 +15927,7 @@
                   <a:srgbClr val="000000"/>
                 </a:solidFill>
                 <a:effectLst/>
+                <a:latin typeface="Lexend Light"/>
               </a:rPr>
               <a:t>} </a:t>
             </a:r>
@@ -15443,6 +15940,7 @@
               <a:solidFill>
                 <a:srgbClr val="000000"/>
               </a:solidFill>
+              <a:latin typeface="Lexend Light"/>
             </a:endParaRPr>
           </a:p>
           <a:p>
@@ -15454,6 +15952,7 @@
                 <a:srgbClr val="000000"/>
               </a:solidFill>
               <a:effectLst/>
+              <a:latin typeface="Lexend Light"/>
             </a:endParaRPr>
           </a:p>
           <a:p>
@@ -15465,6 +15964,7 @@
                 <a:srgbClr val="000000"/>
               </a:solidFill>
               <a:effectLst/>
+              <a:latin typeface="Lexend Light"/>
             </a:endParaRPr>
           </a:p>
         </p:txBody>
@@ -15850,32 +16350,25 @@
           <a:lstStyle/>
           <a:p>
             <a:r>
-              <a:rPr lang="en-US" b="0" i="0" dirty="0" err="1">
-                <a:solidFill>
-                  <a:srgbClr val="000000"/>
-                </a:solidFill>
-                <a:effectLst/>
-                <a:latin typeface="+mn-lt"/>
+              <a:rPr lang="en-US" b="1" i="0" dirty="0" err="1">
+                <a:solidFill>
+                  <a:srgbClr val="0071F6"/>
+                </a:solidFill>
+                <a:effectLst/>
+                <a:latin typeface="Lexend" panose="020B0604020202020204"/>
               </a:rPr>
               <a:t>ctype</a:t>
             </a:r>
             <a:r>
-              <a:rPr lang="en-US" b="0" i="0" dirty="0">
-                <a:solidFill>
-                  <a:srgbClr val="000000"/>
-                </a:solidFill>
-                <a:effectLst/>
-                <a:latin typeface="+mn-lt"/>
+              <a:rPr lang="en-US" b="1" i="0" dirty="0">
+                <a:solidFill>
+                  <a:srgbClr val="0071F6"/>
+                </a:solidFill>
+                <a:effectLst/>
+                <a:latin typeface="Lexend" panose="020B0604020202020204"/>
               </a:rPr>
               <a:t> types - cont’d</a:t>
             </a:r>
-            <a:endParaRPr lang="en-US" i="0" dirty="0">
-              <a:solidFill>
-                <a:srgbClr val="242424"/>
-              </a:solidFill>
-              <a:effectLst/>
-              <a:latin typeface="+mn-lt"/>
-            </a:endParaRPr>
           </a:p>
         </p:txBody>
       </p:sp>
@@ -15902,6 +16395,7 @@
                   <a:srgbClr val="000000"/>
                 </a:solidFill>
                 <a:effectLst/>
+                <a:latin typeface="Lexend Light"/>
               </a:rPr>
               <a:t>We get the fallowing result when trying to run the python program: </a:t>
             </a:r>
@@ -15912,6 +16406,7 @@
                 <a:srgbClr val="000000"/>
               </a:solidFill>
               <a:effectLst/>
+              <a:latin typeface="Lexend Light"/>
             </a:endParaRPr>
           </a:p>
           <a:p>
@@ -15924,6 +16419,7 @@
                   <a:srgbClr val="000000"/>
                 </a:solidFill>
                 <a:effectLst/>
+                <a:latin typeface="Lexend Light"/>
               </a:rPr>
               <a:t>Traceback (most recent call last): </a:t>
             </a:r>
@@ -15938,6 +16434,7 @@
                   <a:srgbClr val="000000"/>
                 </a:solidFill>
                 <a:effectLst/>
+                <a:latin typeface="Lexend Light"/>
               </a:rPr>
               <a:t>	File "C:\Python27\ctypes.py", line 7, in &lt;module&gt; </a:t>
             </a:r>
@@ -15952,6 +16449,7 @@
                   <a:srgbClr val="000000"/>
                 </a:solidFill>
                 <a:effectLst/>
+                <a:latin typeface="Lexend Light"/>
               </a:rPr>
               <a:t>		res = </a:t>
             </a:r>
@@ -15961,6 +16459,7 @@
                   <a:srgbClr val="000000"/>
                 </a:solidFill>
                 <a:effectLst/>
+                <a:latin typeface="Lexend Light"/>
               </a:rPr>
               <a:t>d.double_func</a:t>
             </a:r>
@@ -15970,6 +16469,7 @@
                   <a:srgbClr val="000000"/>
                 </a:solidFill>
                 <a:effectLst/>
+                <a:latin typeface="Lexend Light"/>
               </a:rPr>
               <a:t>(1.23) </a:t>
             </a:r>
@@ -15984,6 +16484,7 @@
                   <a:srgbClr val="000000"/>
                 </a:solidFill>
                 <a:effectLst/>
+                <a:latin typeface="Lexend Light"/>
               </a:rPr>
               <a:t>	</a:t>
             </a:r>
@@ -15993,6 +16494,7 @@
                   <a:srgbClr val="000000"/>
                 </a:solidFill>
                 <a:effectLst/>
+                <a:latin typeface="Lexend Light"/>
               </a:rPr>
               <a:t>ctypes.ArgumentError</a:t>
             </a:r>
@@ -16002,6 +16504,7 @@
                   <a:srgbClr val="000000"/>
                 </a:solidFill>
                 <a:effectLst/>
+                <a:latin typeface="Lexend Light"/>
               </a:rPr>
               <a:t>: argument 1: &lt;type '</a:t>
             </a:r>
@@ -16011,6 +16514,7 @@
                   <a:srgbClr val="000000"/>
                 </a:solidFill>
                 <a:effectLst/>
+                <a:latin typeface="Lexend Light"/>
               </a:rPr>
               <a:t>exceptions.TypeError</a:t>
             </a:r>
@@ -16020,6 +16524,7 @@
                   <a:srgbClr val="000000"/>
                 </a:solidFill>
                 <a:effectLst/>
+                <a:latin typeface="Lexend Light"/>
               </a:rPr>
               <a:t>’&gt;: </a:t>
             </a:r>
@@ -16034,6 +16539,7 @@
                   <a:srgbClr val="000000"/>
                 </a:solidFill>
                 <a:effectLst/>
+                <a:latin typeface="Lexend Light"/>
               </a:rPr>
               <a:t>	Don't know how to convert parameter 1 </a:t>
             </a:r>
@@ -16046,6 +16552,7 @@
               <a:solidFill>
                 <a:srgbClr val="000000"/>
               </a:solidFill>
+              <a:latin typeface="Lexend Light"/>
             </a:endParaRPr>
           </a:p>
           <a:p>
@@ -16055,10 +16562,12 @@
                   <a:srgbClr val="000000"/>
                 </a:solidFill>
                 <a:effectLst/>
+                <a:latin typeface="Lexend Light"/>
               </a:rPr>
               <a:t>We need a types conversion table</a:t>
             </a:r>
             <a:endParaRPr lang="en-US" sz="2400" dirty="0">
+              <a:latin typeface="Lexend Light"/>
               <a:cs typeface="Calibri" panose="020F0502020204030204" pitchFamily="34" charset="0"/>
             </a:endParaRPr>
           </a:p>
@@ -16104,7 +16613,12 @@
             <p:ph type="title"/>
           </p:nvPr>
         </p:nvSpPr>
-        <p:spPr/>
+        <p:spPr>
+          <a:xfrm>
+            <a:off x="838200" y="594803"/>
+            <a:ext cx="10515600" cy="790113"/>
+          </a:xfrm>
+        </p:spPr>
         <p:txBody>
           <a:bodyPr>
             <a:normAutofit/>
@@ -16112,17 +16626,20 @@
           <a:lstStyle/>
           <a:p>
             <a:r>
-              <a:rPr lang="en-US" b="0" i="0" dirty="0">
-                <a:solidFill>
-                  <a:srgbClr val="000000"/>
-                </a:solidFill>
-                <a:effectLst/>
-                <a:latin typeface="+mn-lt"/>
+              <a:rPr lang="en-US" b="1" i="0" dirty="0">
+                <a:solidFill>
+                  <a:srgbClr val="0071F6"/>
+                </a:solidFill>
+                <a:effectLst/>
+                <a:latin typeface="Lexend" panose="020B0604020202020204"/>
               </a:rPr>
               <a:t>Types conversion table</a:t>
             </a:r>
-            <a:endParaRPr lang="en-US" dirty="0">
-              <a:latin typeface="+mn-lt"/>
+            <a:endParaRPr lang="en-US" b="1" dirty="0">
+              <a:solidFill>
+                <a:srgbClr val="0071F6"/>
+              </a:solidFill>
+              <a:latin typeface="Lexend" panose="020B0604020202020204"/>
               <a:cs typeface="Calibri" panose="020F0502020204030204" pitchFamily="34" charset="0"/>
             </a:endParaRPr>
           </a:p>
@@ -16162,6 +16679,7 @@
                   <a:srgbClr val="000000"/>
                 </a:solidFill>
                 <a:effectLst/>
+                <a:latin typeface="Lexend Light"/>
               </a:rPr>
               <a:t>ctypestype</a:t>
             </a:r>
@@ -16171,6 +16689,7 @@
                   <a:srgbClr val="000000"/>
                 </a:solidFill>
                 <a:effectLst/>
+                <a:latin typeface="Lexend Light"/>
               </a:rPr>
               <a:t> 		</a:t>
             </a:r>
@@ -16180,6 +16699,7 @@
                   <a:srgbClr val="000000"/>
                 </a:solidFill>
                 <a:effectLst/>
+                <a:latin typeface="Lexend Light"/>
               </a:rPr>
               <a:t>Ctype</a:t>
             </a:r>
@@ -16189,6 +16709,7 @@
                   <a:srgbClr val="000000"/>
                 </a:solidFill>
                 <a:effectLst/>
+                <a:latin typeface="Lexend Light"/>
               </a:rPr>
               <a:t> 					Python type </a:t>
             </a:r>
@@ -16204,6 +16725,7 @@
                   <a:srgbClr val="000000"/>
                 </a:solidFill>
                 <a:effectLst/>
+                <a:latin typeface="Lexend Light"/>
               </a:rPr>
               <a:t>c_char</a:t>
             </a:r>
@@ -16213,6 +16735,7 @@
                   <a:srgbClr val="000000"/>
                 </a:solidFill>
                 <a:effectLst/>
+                <a:latin typeface="Lexend Light"/>
               </a:rPr>
               <a:t> 		char 					1-character string </a:t>
             </a:r>
@@ -16228,6 +16751,7 @@
                   <a:srgbClr val="000000"/>
                 </a:solidFill>
                 <a:effectLst/>
+                <a:latin typeface="Lexend Light"/>
               </a:rPr>
               <a:t>c_wchar</a:t>
             </a:r>
@@ -16237,6 +16761,7 @@
                   <a:srgbClr val="000000"/>
                 </a:solidFill>
                 <a:effectLst/>
+                <a:latin typeface="Lexend Light"/>
               </a:rPr>
               <a:t> 		</a:t>
             </a:r>
@@ -16246,6 +16771,7 @@
                   <a:srgbClr val="000000"/>
                 </a:solidFill>
                 <a:effectLst/>
+                <a:latin typeface="Lexend Light"/>
               </a:rPr>
               <a:t>wchar_t</a:t>
             </a:r>
@@ -16255,6 +16781,7 @@
                   <a:srgbClr val="000000"/>
                 </a:solidFill>
                 <a:effectLst/>
+                <a:latin typeface="Lexend Light"/>
               </a:rPr>
               <a:t> 					1-character </a:t>
             </a:r>
@@ -16264,6 +16791,7 @@
                   <a:srgbClr val="000000"/>
                 </a:solidFill>
                 <a:effectLst/>
+                <a:latin typeface="Lexend Light"/>
               </a:rPr>
               <a:t>unicode</a:t>
             </a:r>
@@ -16273,6 +16801,7 @@
                   <a:srgbClr val="000000"/>
                 </a:solidFill>
                 <a:effectLst/>
+                <a:latin typeface="Lexend Light"/>
               </a:rPr>
               <a:t> string</a:t>
             </a:r>
@@ -16288,6 +16817,7 @@
                   <a:srgbClr val="000000"/>
                 </a:solidFill>
                 <a:effectLst/>
+                <a:latin typeface="Lexend Light"/>
               </a:rPr>
               <a:t>c_byte</a:t>
             </a:r>
@@ -16297,6 +16827,7 @@
                   <a:srgbClr val="000000"/>
                 </a:solidFill>
                 <a:effectLst/>
+                <a:latin typeface="Lexend Light"/>
               </a:rPr>
               <a:t>		char 					int/long </a:t>
             </a:r>
@@ -16312,6 +16843,7 @@
                   <a:srgbClr val="000000"/>
                 </a:solidFill>
                 <a:effectLst/>
+                <a:latin typeface="Lexend Light"/>
               </a:rPr>
               <a:t>c_ubyte</a:t>
             </a:r>
@@ -16321,6 +16853,7 @@
                   <a:srgbClr val="000000"/>
                 </a:solidFill>
                 <a:effectLst/>
+                <a:latin typeface="Lexend Light"/>
               </a:rPr>
               <a:t> 		unsigned char  				int/long </a:t>
             </a:r>
@@ -16336,6 +16869,7 @@
                   <a:srgbClr val="000000"/>
                 </a:solidFill>
                 <a:effectLst/>
+                <a:latin typeface="Lexend Light"/>
               </a:rPr>
               <a:t>c_short</a:t>
             </a:r>
@@ -16345,6 +16879,7 @@
                   <a:srgbClr val="000000"/>
                 </a:solidFill>
                 <a:effectLst/>
+                <a:latin typeface="Lexend Light"/>
               </a:rPr>
               <a:t> 		short 					int/long </a:t>
             </a:r>
@@ -16360,6 +16895,7 @@
                   <a:srgbClr val="000000"/>
                 </a:solidFill>
                 <a:effectLst/>
+                <a:latin typeface="Lexend Light"/>
               </a:rPr>
               <a:t>c_ushort</a:t>
             </a:r>
@@ -16369,6 +16905,7 @@
                   <a:srgbClr val="000000"/>
                 </a:solidFill>
                 <a:effectLst/>
+                <a:latin typeface="Lexend Light"/>
               </a:rPr>
               <a:t> 		unsigned short 				int/long </a:t>
             </a:r>
@@ -16384,6 +16921,7 @@
                   <a:srgbClr val="000000"/>
                 </a:solidFill>
                 <a:effectLst/>
+                <a:latin typeface="Lexend Light"/>
               </a:rPr>
               <a:t>c_int</a:t>
             </a:r>
@@ -16393,6 +16931,7 @@
                   <a:srgbClr val="000000"/>
                 </a:solidFill>
                 <a:effectLst/>
+                <a:latin typeface="Lexend Light"/>
               </a:rPr>
               <a:t> 			int 					int/long </a:t>
             </a:r>
@@ -16408,6 +16947,7 @@
                   <a:srgbClr val="000000"/>
                 </a:solidFill>
                 <a:effectLst/>
+                <a:latin typeface="Lexend Light"/>
               </a:rPr>
               <a:t>c_uint</a:t>
             </a:r>
@@ -16417,6 +16957,7 @@
                   <a:srgbClr val="000000"/>
                 </a:solidFill>
                 <a:effectLst/>
+                <a:latin typeface="Lexend Light"/>
               </a:rPr>
               <a:t> 		unsigned int 				int/long </a:t>
             </a:r>
@@ -16432,6 +16973,7 @@
                   <a:srgbClr val="000000"/>
                 </a:solidFill>
                 <a:effectLst/>
+                <a:latin typeface="Lexend Light"/>
               </a:rPr>
               <a:t>c_long</a:t>
             </a:r>
@@ -16441,6 +16983,7 @@
                   <a:srgbClr val="000000"/>
                 </a:solidFill>
                 <a:effectLst/>
+                <a:latin typeface="Lexend Light"/>
               </a:rPr>
               <a:t> 		long 					int/long </a:t>
             </a:r>
@@ -16456,6 +16999,7 @@
                   <a:srgbClr val="000000"/>
                 </a:solidFill>
                 <a:effectLst/>
+                <a:latin typeface="Lexend Light"/>
               </a:rPr>
               <a:t>c_ulong</a:t>
             </a:r>
@@ -16465,6 +17009,7 @@
                   <a:srgbClr val="000000"/>
                 </a:solidFill>
                 <a:effectLst/>
+                <a:latin typeface="Lexend Light"/>
               </a:rPr>
               <a:t> 		unsigned long 				int/long </a:t>
             </a:r>
@@ -16480,6 +17025,7 @@
                   <a:srgbClr val="000000"/>
                 </a:solidFill>
                 <a:effectLst/>
+                <a:latin typeface="Lexend Light"/>
               </a:rPr>
               <a:t>c_longlong</a:t>
             </a:r>
@@ -16489,6 +17035,7 @@
                   <a:srgbClr val="000000"/>
                 </a:solidFill>
                 <a:effectLst/>
+                <a:latin typeface="Lexend Light"/>
               </a:rPr>
               <a:t> 		__int64 or long </a:t>
             </a:r>
@@ -16498,6 +17045,7 @@
                   <a:srgbClr val="000000"/>
                 </a:solidFill>
                 <a:effectLst/>
+                <a:latin typeface="Lexend Light"/>
               </a:rPr>
               <a:t>long</a:t>
             </a:r>
@@ -16507,6 +17055,7 @@
                   <a:srgbClr val="000000"/>
                 </a:solidFill>
                 <a:effectLst/>
+                <a:latin typeface="Lexend Light"/>
               </a:rPr>
               <a:t> 				int/long </a:t>
             </a:r>
@@ -16522,6 +17071,7 @@
                   <a:srgbClr val="000000"/>
                 </a:solidFill>
                 <a:effectLst/>
+                <a:latin typeface="Lexend Light"/>
               </a:rPr>
               <a:t>c_ulonglong</a:t>
             </a:r>
@@ -16531,6 +17081,7 @@
                   <a:srgbClr val="000000"/>
                 </a:solidFill>
                 <a:effectLst/>
+                <a:latin typeface="Lexend Light"/>
               </a:rPr>
               <a:t> 		unsigned __int64 or unsigned long </a:t>
             </a:r>
@@ -16540,6 +17091,7 @@
                   <a:srgbClr val="000000"/>
                 </a:solidFill>
                 <a:effectLst/>
+                <a:latin typeface="Lexend Light"/>
               </a:rPr>
               <a:t>long</a:t>
             </a:r>
@@ -16549,10 +17101,12 @@
                   <a:srgbClr val="000000"/>
                 </a:solidFill>
                 <a:effectLst/>
+                <a:latin typeface="Lexend Light"/>
               </a:rPr>
               <a:t> 		int/long</a:t>
             </a:r>
             <a:endParaRPr lang="en-GB" sz="1600" dirty="0">
+              <a:latin typeface="Lexend Light"/>
               <a:cs typeface="Calibri" panose="020F0502020204030204" pitchFamily="34" charset="0"/>
             </a:endParaRPr>
           </a:p>
@@ -16606,17 +17160,20 @@
           <a:lstStyle/>
           <a:p>
             <a:r>
-              <a:rPr lang="en-US" b="0" i="0" dirty="0">
-                <a:solidFill>
-                  <a:srgbClr val="000000"/>
-                </a:solidFill>
-                <a:effectLst/>
-                <a:latin typeface="+mn-lt"/>
+              <a:rPr lang="en-US" b="1" i="0" dirty="0">
+                <a:solidFill>
+                  <a:srgbClr val="0071F6"/>
+                </a:solidFill>
+                <a:effectLst/>
+                <a:latin typeface="Lexend" panose="020B0604020202020204"/>
               </a:rPr>
               <a:t>Types conversion table — cont’d</a:t>
             </a:r>
-            <a:endParaRPr lang="en-US" dirty="0">
-              <a:latin typeface="+mn-lt"/>
+            <a:endParaRPr lang="en-US" b="1" dirty="0">
+              <a:solidFill>
+                <a:srgbClr val="0071F6"/>
+              </a:solidFill>
+              <a:latin typeface="Lexend" panose="020B0604020202020204"/>
               <a:cs typeface="Calibri" panose="020F0502020204030204" pitchFamily="34" charset="0"/>
             </a:endParaRPr>
           </a:p>
@@ -16656,6 +17213,7 @@
                   <a:srgbClr val="000000"/>
                 </a:solidFill>
                 <a:effectLst/>
+                <a:latin typeface="Lexend Light"/>
               </a:rPr>
               <a:t>ctypes</a:t>
             </a:r>
@@ -16665,6 +17223,7 @@
                   <a:srgbClr val="000000"/>
                 </a:solidFill>
                 <a:effectLst/>
+                <a:latin typeface="Lexend Light"/>
               </a:rPr>
               <a:t> type 		C type 		Python type </a:t>
             </a:r>
@@ -16680,6 +17239,7 @@
                   <a:srgbClr val="000000"/>
                 </a:solidFill>
                 <a:effectLst/>
+                <a:latin typeface="Lexend Light"/>
               </a:rPr>
               <a:t>c_float</a:t>
             </a:r>
@@ -16689,6 +17249,7 @@
                   <a:srgbClr val="000000"/>
                 </a:solidFill>
                 <a:effectLst/>
+                <a:latin typeface="Lexend Light"/>
               </a:rPr>
               <a:t> 		float 		float </a:t>
             </a:r>
@@ -16704,6 +17265,7 @@
                   <a:srgbClr val="000000"/>
                 </a:solidFill>
                 <a:effectLst/>
+                <a:latin typeface="Lexend Light"/>
               </a:rPr>
               <a:t>c_double</a:t>
             </a:r>
@@ -16713,6 +17275,7 @@
                   <a:srgbClr val="000000"/>
                 </a:solidFill>
                 <a:effectLst/>
+                <a:latin typeface="Lexend Light"/>
               </a:rPr>
               <a:t> 		double 		float </a:t>
             </a:r>
@@ -16728,6 +17291,7 @@
                   <a:srgbClr val="000000"/>
                 </a:solidFill>
                 <a:effectLst/>
+                <a:latin typeface="Lexend Light"/>
               </a:rPr>
               <a:t>c_longdouble</a:t>
             </a:r>
@@ -16737,6 +17301,7 @@
                   <a:srgbClr val="000000"/>
                 </a:solidFill>
                 <a:effectLst/>
+                <a:latin typeface="Lexend Light"/>
               </a:rPr>
               <a:t> 	long double 	float </a:t>
             </a:r>
@@ -16752,6 +17317,7 @@
                   <a:srgbClr val="000000"/>
                 </a:solidFill>
                 <a:effectLst/>
+                <a:latin typeface="Lexend Light"/>
               </a:rPr>
               <a:t>c_char_p</a:t>
             </a:r>
@@ -16761,6 +17327,7 @@
                   <a:srgbClr val="000000"/>
                 </a:solidFill>
                 <a:effectLst/>
+                <a:latin typeface="Lexend Light"/>
               </a:rPr>
               <a:t> 		char * (NUL terminated) string or None </a:t>
             </a:r>
@@ -16776,6 +17343,7 @@
                   <a:srgbClr val="000000"/>
                 </a:solidFill>
                 <a:effectLst/>
+                <a:latin typeface="Lexend Light"/>
               </a:rPr>
               <a:t>c_void_p</a:t>
             </a:r>
@@ -16785,6 +17353,7 @@
                   <a:srgbClr val="000000"/>
                 </a:solidFill>
                 <a:effectLst/>
+                <a:latin typeface="Lexend Light"/>
               </a:rPr>
               <a:t> 		void * 		int/long or None </a:t>
             </a:r>
@@ -16798,6 +17367,7 @@
               <a:solidFill>
                 <a:srgbClr val="000000"/>
               </a:solidFill>
+              <a:latin typeface="Lexend Light"/>
             </a:endParaRPr>
           </a:p>
           <a:p>
@@ -16811,6 +17381,7 @@
                   <a:srgbClr val="000000"/>
                 </a:solidFill>
                 <a:effectLst/>
+                <a:latin typeface="Lexend Light"/>
               </a:rPr>
               <a:t>An example of python code: </a:t>
             </a:r>
